--- a/group project/Group Project QA Cinema System.pptx
+++ b/group project/Group Project QA Cinema System.pptx
@@ -6,35 +6,36 @@
     <p:sldMasterId id="2147484134" r:id="rId2"/>
   </p:sldMasterIdLst>
   <p:notesMasterIdLst>
-    <p:notesMasterId r:id="rId12"/>
+    <p:notesMasterId r:id="rId13"/>
   </p:notesMasterIdLst>
   <p:sldIdLst>
     <p:sldId id="256" r:id="rId3"/>
     <p:sldId id="257" r:id="rId4"/>
-    <p:sldId id="258" r:id="rId5"/>
-    <p:sldId id="260" r:id="rId6"/>
-    <p:sldId id="261" r:id="rId7"/>
-    <p:sldId id="262" r:id="rId8"/>
-    <p:sldId id="265" r:id="rId9"/>
-    <p:sldId id="264" r:id="rId10"/>
-    <p:sldId id="263" r:id="rId11"/>
+    <p:sldId id="266" r:id="rId5"/>
+    <p:sldId id="258" r:id="rId6"/>
+    <p:sldId id="260" r:id="rId7"/>
+    <p:sldId id="261" r:id="rId8"/>
+    <p:sldId id="262" r:id="rId9"/>
+    <p:sldId id="265" r:id="rId10"/>
+    <p:sldId id="264" r:id="rId11"/>
+    <p:sldId id="263" r:id="rId12"/>
   </p:sldIdLst>
   <p:sldSz cx="9144000" cy="5143500" type="screen16x9"/>
   <p:notesSz cx="6858000" cy="9144000"/>
   <p:embeddedFontLst>
     <p:embeddedFont>
       <p:font typeface="Segoe UI" panose="020B0502040204020203" pitchFamily="34" charset="0"/>
-      <p:regular r:id="rId13"/>
-      <p:bold r:id="rId14"/>
-      <p:italic r:id="rId15"/>
-      <p:boldItalic r:id="rId16"/>
+      <p:regular r:id="rId14"/>
+      <p:bold r:id="rId15"/>
+      <p:italic r:id="rId16"/>
+      <p:boldItalic r:id="rId17"/>
     </p:embeddedFont>
     <p:embeddedFont>
       <p:font typeface="Century Gothic" panose="020B0502020202020204" pitchFamily="34" charset="0"/>
-      <p:regular r:id="rId17"/>
-      <p:bold r:id="rId18"/>
-      <p:italic r:id="rId19"/>
-      <p:boldItalic r:id="rId20"/>
+      <p:regular r:id="rId18"/>
+      <p:bold r:id="rId19"/>
+      <p:italic r:id="rId20"/>
+      <p:boldItalic r:id="rId21"/>
     </p:embeddedFont>
   </p:embeddedFontLst>
   <p:defaultTextStyle>
@@ -694,12 +695,12 @@
 </p:notes>
 </file>
 
-<file path=ppt/notesSlides/notesSlide2.xml><?xml version="1.0" encoding="utf-8"?>
+<file path=ppt/notesSlides/notesSlide10.xml><?xml version="1.0" encoding="utf-8"?>
 <p:notes xmlns:a="http://schemas.openxmlformats.org/drawingml/2006/main" xmlns:r="http://schemas.openxmlformats.org/officeDocument/2006/relationships" xmlns:p="http://schemas.openxmlformats.org/presentationml/2006/main" showMasterSp="0" showMasterPhAnim="0">
   <p:cSld>
     <p:spTree>
       <p:nvGrpSpPr>
-        <p:cNvPr id="1" name="Shape 130"/>
+        <p:cNvPr id="1" name="Shape 171"/>
         <p:cNvGrpSpPr/>
         <p:nvPr/>
       </p:nvGrpSpPr>
@@ -713,7 +714,7 @@
       </p:grpSpPr>
       <p:sp>
         <p:nvSpPr>
-          <p:cNvPr id="131" name="Google Shape;131;g3ee2e3131e_0_3:notes"/>
+          <p:cNvPr id="172" name="Google Shape;172;g3ee2e3131e_0_3216:notes"/>
           <p:cNvSpPr>
             <a:spLocks noGrp="1" noRot="1" noChangeAspect="1"/>
           </p:cNvSpPr>
@@ -754,7 +755,7 @@
       </p:sp>
       <p:sp>
         <p:nvSpPr>
-          <p:cNvPr id="132" name="Google Shape;132;g3ee2e3131e_0_3:notes"/>
+          <p:cNvPr id="173" name="Google Shape;173;g3ee2e3131e_0_3216:notes"/>
           <p:cNvSpPr txBox="1">
             <a:spLocks noGrp="1"/>
           </p:cNvSpPr>
@@ -798,12 +799,12 @@
 </p:notes>
 </file>
 
-<file path=ppt/notesSlides/notesSlide3.xml><?xml version="1.0" encoding="utf-8"?>
+<file path=ppt/notesSlides/notesSlide2.xml><?xml version="1.0" encoding="utf-8"?>
 <p:notes xmlns:a="http://schemas.openxmlformats.org/drawingml/2006/main" xmlns:r="http://schemas.openxmlformats.org/officeDocument/2006/relationships" xmlns:p="http://schemas.openxmlformats.org/presentationml/2006/main" showMasterSp="0" showMasterPhAnim="0">
   <p:cSld>
     <p:spTree>
       <p:nvGrpSpPr>
-        <p:cNvPr id="1" name="Shape 136"/>
+        <p:cNvPr id="1" name="Shape 130"/>
         <p:cNvGrpSpPr/>
         <p:nvPr/>
       </p:nvGrpSpPr>
@@ -817,7 +818,7 @@
       </p:grpSpPr>
       <p:sp>
         <p:nvSpPr>
-          <p:cNvPr id="137" name="Google Shape;137;g3ee2e3131e_0_3712:notes"/>
+          <p:cNvPr id="131" name="Google Shape;131;g3ee2e3131e_0_3:notes"/>
           <p:cNvSpPr>
             <a:spLocks noGrp="1" noRot="1" noChangeAspect="1"/>
           </p:cNvSpPr>
@@ -858,7 +859,7 @@
       </p:sp>
       <p:sp>
         <p:nvSpPr>
-          <p:cNvPr id="138" name="Google Shape;138;g3ee2e3131e_0_3712:notes"/>
+          <p:cNvPr id="132" name="Google Shape;132;g3ee2e3131e_0_3:notes"/>
           <p:cNvSpPr txBox="1">
             <a:spLocks noGrp="1"/>
           </p:cNvSpPr>
@@ -902,12 +903,12 @@
 </p:notes>
 </file>
 
-<file path=ppt/notesSlides/notesSlide4.xml><?xml version="1.0" encoding="utf-8"?>
+<file path=ppt/notesSlides/notesSlide3.xml><?xml version="1.0" encoding="utf-8"?>
 <p:notes xmlns:a="http://schemas.openxmlformats.org/drawingml/2006/main" xmlns:r="http://schemas.openxmlformats.org/officeDocument/2006/relationships" xmlns:p="http://schemas.openxmlformats.org/presentationml/2006/main" showMasterSp="0" showMasterPhAnim="0">
   <p:cSld>
     <p:spTree>
       <p:nvGrpSpPr>
-        <p:cNvPr id="1" name="Shape 153"/>
+        <p:cNvPr id="1" name="Shape 130"/>
         <p:cNvGrpSpPr/>
         <p:nvPr/>
       </p:nvGrpSpPr>
@@ -921,7 +922,7 @@
       </p:grpSpPr>
       <p:sp>
         <p:nvSpPr>
-          <p:cNvPr id="154" name="Google Shape;154;g3ee2e3131e_0_3026:notes"/>
+          <p:cNvPr id="131" name="Google Shape;131;g3ee2e3131e_0_3:notes"/>
           <p:cNvSpPr>
             <a:spLocks noGrp="1" noRot="1" noChangeAspect="1"/>
           </p:cNvSpPr>
@@ -962,7 +963,7 @@
       </p:sp>
       <p:sp>
         <p:nvSpPr>
-          <p:cNvPr id="155" name="Google Shape;155;g3ee2e3131e_0_3026:notes"/>
+          <p:cNvPr id="132" name="Google Shape;132;g3ee2e3131e_0_3:notes"/>
           <p:cNvSpPr txBox="1">
             <a:spLocks noGrp="1"/>
           </p:cNvSpPr>
@@ -999,6 +1000,11 @@
         </p:txBody>
       </p:sp>
     </p:spTree>
+    <p:extLst>
+      <p:ext uri="{BB962C8B-B14F-4D97-AF65-F5344CB8AC3E}">
+        <p14:creationId xmlns:p14="http://schemas.microsoft.com/office/powerpoint/2010/main" val="86066062"/>
+      </p:ext>
+    </p:extLst>
   </p:cSld>
   <p:clrMapOvr>
     <a:masterClrMapping/>
@@ -1006,12 +1012,12 @@
 </p:notes>
 </file>
 
-<file path=ppt/notesSlides/notesSlide5.xml><?xml version="1.0" encoding="utf-8"?>
+<file path=ppt/notesSlides/notesSlide4.xml><?xml version="1.0" encoding="utf-8"?>
 <p:notes xmlns:a="http://schemas.openxmlformats.org/drawingml/2006/main" xmlns:r="http://schemas.openxmlformats.org/officeDocument/2006/relationships" xmlns:p="http://schemas.openxmlformats.org/presentationml/2006/main" showMasterSp="0" showMasterPhAnim="0">
   <p:cSld>
     <p:spTree>
       <p:nvGrpSpPr>
-        <p:cNvPr id="1" name="Shape 159"/>
+        <p:cNvPr id="1" name="Shape 136"/>
         <p:cNvGrpSpPr/>
         <p:nvPr/>
       </p:nvGrpSpPr>
@@ -1025,7 +1031,7 @@
       </p:grpSpPr>
       <p:sp>
         <p:nvSpPr>
-          <p:cNvPr id="160" name="Google Shape;160;g3ee2e3131e_0_3031:notes"/>
+          <p:cNvPr id="137" name="Google Shape;137;g3ee2e3131e_0_3712:notes"/>
           <p:cNvSpPr>
             <a:spLocks noGrp="1" noRot="1" noChangeAspect="1"/>
           </p:cNvSpPr>
@@ -1066,7 +1072,7 @@
       </p:sp>
       <p:sp>
         <p:nvSpPr>
-          <p:cNvPr id="161" name="Google Shape;161;g3ee2e3131e_0_3031:notes"/>
+          <p:cNvPr id="138" name="Google Shape;138;g3ee2e3131e_0_3712:notes"/>
           <p:cNvSpPr txBox="1">
             <a:spLocks noGrp="1"/>
           </p:cNvSpPr>
@@ -1110,12 +1116,12 @@
 </p:notes>
 </file>
 
-<file path=ppt/notesSlides/notesSlide6.xml><?xml version="1.0" encoding="utf-8"?>
+<file path=ppt/notesSlides/notesSlide5.xml><?xml version="1.0" encoding="utf-8"?>
 <p:notes xmlns:a="http://schemas.openxmlformats.org/drawingml/2006/main" xmlns:r="http://schemas.openxmlformats.org/officeDocument/2006/relationships" xmlns:p="http://schemas.openxmlformats.org/presentationml/2006/main" showMasterSp="0" showMasterPhAnim="0">
   <p:cSld>
     <p:spTree>
       <p:nvGrpSpPr>
-        <p:cNvPr id="1" name="Shape 165"/>
+        <p:cNvPr id="1" name="Shape 153"/>
         <p:cNvGrpSpPr/>
         <p:nvPr/>
       </p:nvGrpSpPr>
@@ -1129,7 +1135,7 @@
       </p:grpSpPr>
       <p:sp>
         <p:nvSpPr>
-          <p:cNvPr id="166" name="Google Shape;166;g3ee2e3131e_0_3211:notes"/>
+          <p:cNvPr id="154" name="Google Shape;154;g3ee2e3131e_0_3026:notes"/>
           <p:cNvSpPr>
             <a:spLocks noGrp="1" noRot="1" noChangeAspect="1"/>
           </p:cNvSpPr>
@@ -1170,7 +1176,111 @@
       </p:sp>
       <p:sp>
         <p:nvSpPr>
-          <p:cNvPr id="167" name="Google Shape;167;g3ee2e3131e_0_3211:notes"/>
+          <p:cNvPr id="155" name="Google Shape;155;g3ee2e3131e_0_3026:notes"/>
+          <p:cNvSpPr txBox="1">
+            <a:spLocks noGrp="1"/>
+          </p:cNvSpPr>
+          <p:nvPr>
+            <p:ph type="body" idx="1"/>
+          </p:nvPr>
+        </p:nvSpPr>
+        <p:spPr>
+          <a:xfrm>
+            <a:off x="685800" y="4343400"/>
+            <a:ext cx="5486400" cy="4114800"/>
+          </a:xfrm>
+          <a:prstGeom prst="rect">
+            <a:avLst/>
+          </a:prstGeom>
+        </p:spPr>
+        <p:txBody>
+          <a:bodyPr spcFirstLastPara="1" wrap="square" lIns="91425" tIns="91425" rIns="91425" bIns="91425" anchor="t" anchorCtr="0">
+            <a:noAutofit/>
+          </a:bodyPr>
+          <a:lstStyle/>
+          <a:p>
+            <a:pPr marL="0" lvl="0" indent="0">
+              <a:spcBef>
+                <a:spcPts val="0"/>
+              </a:spcBef>
+              <a:spcAft>
+                <a:spcPts val="0"/>
+              </a:spcAft>
+              <a:buNone/>
+            </a:pPr>
+            <a:endParaRPr/>
+          </a:p>
+        </p:txBody>
+      </p:sp>
+    </p:spTree>
+  </p:cSld>
+  <p:clrMapOvr>
+    <a:masterClrMapping/>
+  </p:clrMapOvr>
+</p:notes>
+</file>
+
+<file path=ppt/notesSlides/notesSlide6.xml><?xml version="1.0" encoding="utf-8"?>
+<p:notes xmlns:a="http://schemas.openxmlformats.org/drawingml/2006/main" xmlns:r="http://schemas.openxmlformats.org/officeDocument/2006/relationships" xmlns:p="http://schemas.openxmlformats.org/presentationml/2006/main" showMasterSp="0" showMasterPhAnim="0">
+  <p:cSld>
+    <p:spTree>
+      <p:nvGrpSpPr>
+        <p:cNvPr id="1" name="Shape 159"/>
+        <p:cNvGrpSpPr/>
+        <p:nvPr/>
+      </p:nvGrpSpPr>
+      <p:grpSpPr>
+        <a:xfrm>
+          <a:off x="0" y="0"/>
+          <a:ext cx="0" cy="0"/>
+          <a:chOff x="0" y="0"/>
+          <a:chExt cx="0" cy="0"/>
+        </a:xfrm>
+      </p:grpSpPr>
+      <p:sp>
+        <p:nvSpPr>
+          <p:cNvPr id="160" name="Google Shape;160;g3ee2e3131e_0_3031:notes"/>
+          <p:cNvSpPr>
+            <a:spLocks noGrp="1" noRot="1" noChangeAspect="1"/>
+          </p:cNvSpPr>
+          <p:nvPr>
+            <p:ph type="sldImg" idx="2"/>
+          </p:nvPr>
+        </p:nvSpPr>
+        <p:spPr>
+          <a:xfrm>
+            <a:off x="381000" y="685800"/>
+            <a:ext cx="6096000" cy="3429000"/>
+          </a:xfrm>
+          <a:custGeom>
+            <a:avLst/>
+            <a:gdLst/>
+            <a:ahLst/>
+            <a:cxnLst/>
+            <a:rect l="l" t="t" r="r" b="b"/>
+            <a:pathLst>
+              <a:path w="120000" h="120000" extrusionOk="0">
+                <a:moveTo>
+                  <a:pt x="0" y="0"/>
+                </a:moveTo>
+                <a:lnTo>
+                  <a:pt x="120000" y="0"/>
+                </a:lnTo>
+                <a:lnTo>
+                  <a:pt x="120000" y="120000"/>
+                </a:lnTo>
+                <a:lnTo>
+                  <a:pt x="0" y="120000"/>
+                </a:lnTo>
+                <a:close/>
+              </a:path>
+            </a:pathLst>
+          </a:custGeom>
+        </p:spPr>
+      </p:sp>
+      <p:sp>
+        <p:nvSpPr>
+          <p:cNvPr id="161" name="Google Shape;161;g3ee2e3131e_0_3031:notes"/>
           <p:cNvSpPr txBox="1">
             <a:spLocks noGrp="1"/>
           </p:cNvSpPr>
@@ -1311,11 +1421,6 @@
         </p:txBody>
       </p:sp>
     </p:spTree>
-    <p:extLst>
-      <p:ext uri="{BB962C8B-B14F-4D97-AF65-F5344CB8AC3E}">
-        <p14:creationId xmlns:p14="http://schemas.microsoft.com/office/powerpoint/2010/main" val="2995639905"/>
-      </p:ext>
-    </p:extLst>
   </p:cSld>
   <p:clrMapOvr>
     <a:masterClrMapping/>
@@ -1422,7 +1527,7 @@
     </p:spTree>
     <p:extLst>
       <p:ext uri="{BB962C8B-B14F-4D97-AF65-F5344CB8AC3E}">
-        <p14:creationId xmlns:p14="http://schemas.microsoft.com/office/powerpoint/2010/main" val="19721844"/>
+        <p14:creationId xmlns:p14="http://schemas.microsoft.com/office/powerpoint/2010/main" val="2995639905"/>
       </p:ext>
     </p:extLst>
   </p:cSld>
@@ -1437,7 +1542,7 @@
   <p:cSld>
     <p:spTree>
       <p:nvGrpSpPr>
-        <p:cNvPr id="1" name="Shape 171"/>
+        <p:cNvPr id="1" name="Shape 165"/>
         <p:cNvGrpSpPr/>
         <p:nvPr/>
       </p:nvGrpSpPr>
@@ -1451,7 +1556,7 @@
       </p:grpSpPr>
       <p:sp>
         <p:nvSpPr>
-          <p:cNvPr id="172" name="Google Shape;172;g3ee2e3131e_0_3216:notes"/>
+          <p:cNvPr id="166" name="Google Shape;166;g3ee2e3131e_0_3211:notes"/>
           <p:cNvSpPr>
             <a:spLocks noGrp="1" noRot="1" noChangeAspect="1"/>
           </p:cNvSpPr>
@@ -1492,7 +1597,7 @@
       </p:sp>
       <p:sp>
         <p:nvSpPr>
-          <p:cNvPr id="173" name="Google Shape;173;g3ee2e3131e_0_3216:notes"/>
+          <p:cNvPr id="167" name="Google Shape;167;g3ee2e3131e_0_3211:notes"/>
           <p:cNvSpPr txBox="1">
             <a:spLocks noGrp="1"/>
           </p:cNvSpPr>
@@ -1529,6 +1634,11 @@
         </p:txBody>
       </p:sp>
     </p:spTree>
+    <p:extLst>
+      <p:ext uri="{BB962C8B-B14F-4D97-AF65-F5344CB8AC3E}">
+        <p14:creationId xmlns:p14="http://schemas.microsoft.com/office/powerpoint/2010/main" val="19721844"/>
+      </p:ext>
+    </p:extLst>
   </p:cSld>
   <p:clrMapOvr>
     <a:masterClrMapping/>
@@ -13761,6 +13871,128 @@
 </p:sld>
 </file>
 
+<file path=ppt/slides/slide10.xml><?xml version="1.0" encoding="utf-8"?>
+<p:sld xmlns:a="http://schemas.openxmlformats.org/drawingml/2006/main" xmlns:r="http://schemas.openxmlformats.org/officeDocument/2006/relationships" xmlns:p="http://schemas.openxmlformats.org/presentationml/2006/main">
+  <p:cSld>
+    <p:bg>
+      <p:bgPr>
+        <a:solidFill>
+          <a:schemeClr val="tx1"/>
+        </a:solidFill>
+        <a:effectLst/>
+      </p:bgPr>
+    </p:bg>
+    <p:spTree>
+      <p:nvGrpSpPr>
+        <p:cNvPr id="1" name="Shape 174"/>
+        <p:cNvGrpSpPr/>
+        <p:nvPr/>
+      </p:nvGrpSpPr>
+      <p:grpSpPr>
+        <a:xfrm>
+          <a:off x="0" y="0"/>
+          <a:ext cx="0" cy="0"/>
+          <a:chOff x="0" y="0"/>
+          <a:chExt cx="0" cy="0"/>
+        </a:xfrm>
+      </p:grpSpPr>
+      <p:sp>
+        <p:nvSpPr>
+          <p:cNvPr id="175" name="Google Shape;175;p20"/>
+          <p:cNvSpPr txBox="1">
+            <a:spLocks noGrp="1"/>
+          </p:cNvSpPr>
+          <p:nvPr>
+            <p:ph type="body" idx="1"/>
+          </p:nvPr>
+        </p:nvSpPr>
+        <p:spPr>
+          <a:xfrm>
+            <a:off x="819150" y="1624965"/>
+            <a:ext cx="7505700" cy="2448000"/>
+          </a:xfrm>
+          <a:prstGeom prst="rect">
+            <a:avLst/>
+          </a:prstGeom>
+        </p:spPr>
+        <p:txBody>
+          <a:bodyPr spcFirstLastPara="1" wrap="square" lIns="91425" tIns="91425" rIns="91425" bIns="91425" anchor="t" anchorCtr="0">
+            <a:noAutofit/>
+          </a:bodyPr>
+          <a:lstStyle/>
+          <a:p>
+            <a:pPr marL="0" lvl="0" indent="0" algn="ctr" rtl="0">
+              <a:spcBef>
+                <a:spcPts val="0"/>
+              </a:spcBef>
+              <a:spcAft>
+                <a:spcPts val="0"/>
+              </a:spcAft>
+              <a:buNone/>
+            </a:pPr>
+            <a:r>
+              <a:rPr lang="en" sz="2800" dirty="0" smtClean="0">
+                <a:solidFill>
+                  <a:schemeClr val="bg1"/>
+                </a:solidFill>
+                <a:latin typeface="Segoe UI" panose="020B0502040204020203" pitchFamily="34" charset="0"/>
+                <a:cs typeface="Segoe UI" panose="020B0502040204020203" pitchFamily="34" charset="0"/>
+              </a:rPr>
+              <a:t>Thank you for your attention.</a:t>
+            </a:r>
+            <a:endParaRPr sz="2800" dirty="0" smtClean="0">
+              <a:solidFill>
+                <a:schemeClr val="bg1"/>
+              </a:solidFill>
+              <a:latin typeface="Segoe UI" panose="020B0502040204020203" pitchFamily="34" charset="0"/>
+              <a:cs typeface="Segoe UI" panose="020B0502040204020203" pitchFamily="34" charset="0"/>
+            </a:endParaRPr>
+          </a:p>
+          <a:p>
+            <a:pPr marL="0" lvl="0" indent="0" algn="ctr" rtl="0">
+              <a:spcBef>
+                <a:spcPts val="1600"/>
+              </a:spcBef>
+              <a:spcAft>
+                <a:spcPts val="0"/>
+              </a:spcAft>
+              <a:buNone/>
+            </a:pPr>
+            <a:r>
+              <a:rPr lang="en" sz="2800" dirty="0" smtClean="0">
+                <a:solidFill>
+                  <a:schemeClr val="bg1"/>
+                </a:solidFill>
+                <a:latin typeface="Segoe UI" panose="020B0502040204020203" pitchFamily="34" charset="0"/>
+                <a:cs typeface="Segoe UI" panose="020B0502040204020203" pitchFamily="34" charset="0"/>
+              </a:rPr>
+              <a:t>Please ask questions.</a:t>
+            </a:r>
+            <a:endParaRPr sz="2800" dirty="0">
+              <a:solidFill>
+                <a:schemeClr val="bg1"/>
+              </a:solidFill>
+              <a:latin typeface="Segoe UI" panose="020B0502040204020203" pitchFamily="34" charset="0"/>
+              <a:cs typeface="Segoe UI" panose="020B0502040204020203" pitchFamily="34" charset="0"/>
+            </a:endParaRPr>
+          </a:p>
+        </p:txBody>
+      </p:sp>
+    </p:spTree>
+  </p:cSld>
+  <p:clrMapOvr>
+    <a:masterClrMapping/>
+  </p:clrMapOvr>
+  <p:timing>
+    <p:tnLst>
+      <p:par>
+        <p:cTn id="1" dur="indefinite" restart="never" nodeType="tmRoot"/>
+      </p:par>
+    </p:tnLst>
+  </p:timing>
+</p:sld>
+</file>
+
 <file path=ppt/slides/slide2.xml><?xml version="1.0" encoding="utf-8"?>
 <p:sld xmlns:a="http://schemas.openxmlformats.org/drawingml/2006/main" xmlns:r="http://schemas.openxmlformats.org/officeDocument/2006/relationships" xmlns:p="http://schemas.openxmlformats.org/presentationml/2006/main">
   <p:cSld>
@@ -13861,52 +14093,93 @@
           </a:bodyPr>
           <a:lstStyle/>
           <a:p>
-            <a:pPr marL="0" lvl="0" indent="0" algn="just" rtl="0">
-              <a:spcBef>
-                <a:spcPts val="0"/>
-              </a:spcBef>
-              <a:spcAft>
-                <a:spcPts val="0"/>
-              </a:spcAft>
-              <a:buNone/>
-            </a:pPr>
-            <a:r>
-              <a:rPr lang="en" dirty="0">
-                <a:solidFill>
-                  <a:schemeClr val="bg1"/>
-                </a:solidFill>
-                <a:latin typeface="Segoe UI" panose="020B0502040204020203" pitchFamily="34" charset="0"/>
-                <a:cs typeface="Segoe UI" panose="020B0502040204020203" pitchFamily="34" charset="0"/>
-              </a:rPr>
-              <a:t>The project objective was to create a QA cinema system satisfying given usability requirements. </a:t>
-            </a:r>
-            <a:endParaRPr dirty="0">
-              <a:solidFill>
-                <a:schemeClr val="bg1"/>
-              </a:solidFill>
-              <a:latin typeface="Segoe UI" panose="020B0502040204020203" pitchFamily="34" charset="0"/>
-              <a:cs typeface="Segoe UI" panose="020B0502040204020203" pitchFamily="34" charset="0"/>
-            </a:endParaRPr>
-          </a:p>
-          <a:p>
-            <a:pPr marL="0" lvl="0" indent="0" algn="just">
+            <a:pPr marL="285750" indent="-285750" algn="just">
               <a:spcBef>
                 <a:spcPts val="1600"/>
               </a:spcBef>
               <a:spcAft>
                 <a:spcPts val="1600"/>
               </a:spcAft>
-              <a:buNone/>
             </a:pPr>
             <a:r>
-              <a:rPr lang="en" dirty="0">
+              <a:rPr lang="en" dirty="0" smtClean="0">
                 <a:solidFill>
                   <a:schemeClr val="bg1"/>
                 </a:solidFill>
                 <a:latin typeface="Segoe UI" panose="020B0502040204020203" pitchFamily="34" charset="0"/>
                 <a:cs typeface="Segoe UI" panose="020B0502040204020203" pitchFamily="34" charset="0"/>
               </a:rPr>
-              <a:t>When our team made the project, the emphasis was on structure and function before finalising content and aesthetics.</a:t>
+              <a:t>Our </a:t>
+            </a:r>
+            <a:r>
+              <a:rPr lang="en" dirty="0">
+                <a:solidFill>
+                  <a:schemeClr val="bg1"/>
+                </a:solidFill>
+                <a:latin typeface="Segoe UI" panose="020B0502040204020203" pitchFamily="34" charset="0"/>
+                <a:cs typeface="Segoe UI" panose="020B0502040204020203" pitchFamily="34" charset="0"/>
+              </a:rPr>
+              <a:t>team made </a:t>
+            </a:r>
+            <a:r>
+              <a:rPr lang="en" dirty="0" smtClean="0">
+                <a:solidFill>
+                  <a:schemeClr val="bg1"/>
+                </a:solidFill>
+                <a:latin typeface="Segoe UI" panose="020B0502040204020203" pitchFamily="34" charset="0"/>
+                <a:cs typeface="Segoe UI" panose="020B0502040204020203" pitchFamily="34" charset="0"/>
+              </a:rPr>
+              <a:t>a QA cinema website. </a:t>
+            </a:r>
+          </a:p>
+          <a:p>
+            <a:pPr marL="285750" indent="-285750" algn="just">
+              <a:spcBef>
+                <a:spcPts val="1600"/>
+              </a:spcBef>
+              <a:spcAft>
+                <a:spcPts val="1600"/>
+              </a:spcAft>
+            </a:pPr>
+            <a:r>
+              <a:rPr lang="en" dirty="0" smtClean="0">
+                <a:solidFill>
+                  <a:schemeClr val="bg1"/>
+                </a:solidFill>
+                <a:latin typeface="Segoe UI" panose="020B0502040204020203" pitchFamily="34" charset="0"/>
+                <a:cs typeface="Segoe UI" panose="020B0502040204020203" pitchFamily="34" charset="0"/>
+              </a:rPr>
+              <a:t>The </a:t>
+            </a:r>
+            <a:r>
+              <a:rPr lang="en" dirty="0">
+                <a:solidFill>
+                  <a:schemeClr val="bg1"/>
+                </a:solidFill>
+                <a:latin typeface="Segoe UI" panose="020B0502040204020203" pitchFamily="34" charset="0"/>
+                <a:cs typeface="Segoe UI" panose="020B0502040204020203" pitchFamily="34" charset="0"/>
+              </a:rPr>
+              <a:t>emphasis was on structure and </a:t>
+            </a:r>
+            <a:r>
+              <a:rPr lang="en" dirty="0" smtClean="0">
+                <a:solidFill>
+                  <a:schemeClr val="bg1"/>
+                </a:solidFill>
+                <a:latin typeface="Segoe UI" panose="020B0502040204020203" pitchFamily="34" charset="0"/>
+                <a:cs typeface="Segoe UI" panose="020B0502040204020203" pitchFamily="34" charset="0"/>
+              </a:rPr>
+              <a:t>function, according to usability requirements, before </a:t>
+            </a:r>
+            <a:r>
+              <a:rPr lang="en" dirty="0">
+                <a:solidFill>
+                  <a:schemeClr val="bg1"/>
+                </a:solidFill>
+                <a:latin typeface="Segoe UI" panose="020B0502040204020203" pitchFamily="34" charset="0"/>
+                <a:cs typeface="Segoe UI" panose="020B0502040204020203" pitchFamily="34" charset="0"/>
+              </a:rPr>
+              <a:t>finalising content and aesthetics.</a:t>
             </a:r>
             <a:endParaRPr dirty="0">
               <a:solidFill>
@@ -13934,6 +14207,768 @@
 </file>
 
 <file path=ppt/slides/slide3.xml><?xml version="1.0" encoding="utf-8"?>
+<p:sld xmlns:a="http://schemas.openxmlformats.org/drawingml/2006/main" xmlns:r="http://schemas.openxmlformats.org/officeDocument/2006/relationships" xmlns:p="http://schemas.openxmlformats.org/presentationml/2006/main">
+  <p:cSld>
+    <p:bg>
+      <p:bgPr>
+        <a:solidFill>
+          <a:schemeClr val="tx1"/>
+        </a:solidFill>
+        <a:effectLst/>
+      </p:bgPr>
+    </p:bg>
+    <p:spTree>
+      <p:nvGrpSpPr>
+        <p:cNvPr id="1" name="Shape 133"/>
+        <p:cNvGrpSpPr/>
+        <p:nvPr/>
+      </p:nvGrpSpPr>
+      <p:grpSpPr>
+        <a:xfrm>
+          <a:off x="0" y="0"/>
+          <a:ext cx="0" cy="0"/>
+          <a:chOff x="0" y="0"/>
+          <a:chExt cx="0" cy="0"/>
+        </a:xfrm>
+      </p:grpSpPr>
+      <p:sp>
+        <p:nvSpPr>
+          <p:cNvPr id="134" name="Google Shape;134;p14"/>
+          <p:cNvSpPr txBox="1">
+            <a:spLocks noGrp="1"/>
+          </p:cNvSpPr>
+          <p:nvPr>
+            <p:ph type="title"/>
+          </p:nvPr>
+        </p:nvSpPr>
+        <p:spPr>
+          <a:prstGeom prst="rect">
+            <a:avLst/>
+          </a:prstGeom>
+        </p:spPr>
+        <p:txBody>
+          <a:bodyPr spcFirstLastPara="1" wrap="square" lIns="91425" tIns="91425" rIns="91425" bIns="91425" anchor="t" anchorCtr="0">
+            <a:noAutofit/>
+          </a:bodyPr>
+          <a:lstStyle/>
+          <a:p>
+            <a:pPr marL="0" lvl="0" indent="0">
+              <a:spcBef>
+                <a:spcPts val="0"/>
+              </a:spcBef>
+              <a:spcAft>
+                <a:spcPts val="0"/>
+              </a:spcAft>
+              <a:buNone/>
+            </a:pPr>
+            <a:r>
+              <a:rPr lang="en-GB" dirty="0" smtClean="0">
+                <a:solidFill>
+                  <a:schemeClr val="bg1"/>
+                </a:solidFill>
+                <a:latin typeface="Segoe UI" panose="020B0502040204020203" pitchFamily="34" charset="0"/>
+                <a:cs typeface="Segoe UI" panose="020B0502040204020203" pitchFamily="34" charset="0"/>
+              </a:rPr>
+              <a:t>R</a:t>
+            </a:r>
+            <a:r>
+              <a:rPr lang="en" dirty="0" smtClean="0">
+                <a:solidFill>
+                  <a:schemeClr val="bg1"/>
+                </a:solidFill>
+                <a:latin typeface="Segoe UI" panose="020B0502040204020203" pitchFamily="34" charset="0"/>
+                <a:cs typeface="Segoe UI" panose="020B0502040204020203" pitchFamily="34" charset="0"/>
+              </a:rPr>
+              <a:t>equirements summary</a:t>
+            </a:r>
+            <a:endParaRPr dirty="0">
+              <a:solidFill>
+                <a:schemeClr val="bg1"/>
+              </a:solidFill>
+              <a:latin typeface="Segoe UI" panose="020B0502040204020203" pitchFamily="34" charset="0"/>
+              <a:cs typeface="Segoe UI" panose="020B0502040204020203" pitchFamily="34" charset="0"/>
+            </a:endParaRPr>
+          </a:p>
+        </p:txBody>
+      </p:sp>
+      <p:sp>
+        <p:nvSpPr>
+          <p:cNvPr id="135" name="Google Shape;135;p14"/>
+          <p:cNvSpPr txBox="1">
+            <a:spLocks noGrp="1"/>
+          </p:cNvSpPr>
+          <p:nvPr>
+            <p:ph type="body" idx="1"/>
+          </p:nvPr>
+        </p:nvSpPr>
+        <p:spPr>
+          <a:xfrm>
+            <a:off x="449943" y="1719275"/>
+            <a:ext cx="8244114" cy="3026896"/>
+          </a:xfrm>
+          <a:prstGeom prst="rect">
+            <a:avLst/>
+          </a:prstGeom>
+        </p:spPr>
+        <p:txBody>
+          <a:bodyPr spcFirstLastPara="1" wrap="square" lIns="91425" tIns="91425" rIns="91425" bIns="91425" numCol="4" anchor="t" anchorCtr="0">
+            <a:noAutofit/>
+          </a:bodyPr>
+          <a:lstStyle/>
+          <a:p>
+            <a:pPr marL="0" indent="0" algn="just">
+              <a:buNone/>
+            </a:pPr>
+            <a:r>
+              <a:rPr lang="en-GB" dirty="0" smtClean="0">
+                <a:solidFill>
+                  <a:schemeClr val="bg1"/>
+                </a:solidFill>
+                <a:latin typeface="Segoe UI" panose="020B0502040204020203" pitchFamily="34" charset="0"/>
+                <a:cs typeface="Segoe UI" panose="020B0502040204020203" pitchFamily="34" charset="0"/>
+              </a:rPr>
+              <a:t>Sprint 1</a:t>
+            </a:r>
+          </a:p>
+          <a:p>
+            <a:pPr marL="0" indent="0" algn="just">
+              <a:buNone/>
+            </a:pPr>
+            <a:endParaRPr lang="en-GB" dirty="0" smtClean="0">
+              <a:solidFill>
+                <a:schemeClr val="bg1"/>
+              </a:solidFill>
+              <a:latin typeface="Segoe UI" panose="020B0502040204020203" pitchFamily="34" charset="0"/>
+              <a:cs typeface="Segoe UI" panose="020B0502040204020203" pitchFamily="34" charset="0"/>
+            </a:endParaRPr>
+          </a:p>
+          <a:p>
+            <a:pPr marL="285750" indent="-285750" algn="just"/>
+            <a:r>
+              <a:rPr lang="en-GB" dirty="0" smtClean="0">
+                <a:solidFill>
+                  <a:schemeClr val="bg1"/>
+                </a:solidFill>
+                <a:latin typeface="Segoe UI" panose="020B0502040204020203" pitchFamily="34" charset="0"/>
+                <a:cs typeface="Segoe UI" panose="020B0502040204020203" pitchFamily="34" charset="0"/>
+              </a:rPr>
+              <a:t>Home page</a:t>
+            </a:r>
+          </a:p>
+          <a:p>
+            <a:pPr marL="285750" indent="-285750" algn="just"/>
+            <a:r>
+              <a:rPr lang="en-GB" dirty="0" smtClean="0">
+                <a:solidFill>
+                  <a:schemeClr val="bg1"/>
+                </a:solidFill>
+                <a:latin typeface="Segoe UI" panose="020B0502040204020203" pitchFamily="34" charset="0"/>
+                <a:cs typeface="Segoe UI" panose="020B0502040204020203" pitchFamily="34" charset="0"/>
+              </a:rPr>
+              <a:t>Listings gallery</a:t>
+            </a:r>
+          </a:p>
+          <a:p>
+            <a:pPr marL="285750" indent="-285750" algn="just"/>
+            <a:r>
+              <a:rPr lang="en-GB" dirty="0" smtClean="0">
+                <a:solidFill>
+                  <a:schemeClr val="bg1"/>
+                </a:solidFill>
+                <a:latin typeface="Segoe UI" panose="020B0502040204020203" pitchFamily="34" charset="0"/>
+                <a:cs typeface="Segoe UI" panose="020B0502040204020203" pitchFamily="34" charset="0"/>
+              </a:rPr>
+              <a:t>Opening times</a:t>
+            </a:r>
+          </a:p>
+          <a:p>
+            <a:pPr marL="285750" indent="-285750" algn="just"/>
+            <a:r>
+              <a:rPr lang="en-GB" dirty="0" smtClean="0">
+                <a:solidFill>
+                  <a:schemeClr val="bg1"/>
+                </a:solidFill>
+                <a:latin typeface="Segoe UI" panose="020B0502040204020203" pitchFamily="34" charset="0"/>
+                <a:cs typeface="Segoe UI" panose="020B0502040204020203" pitchFamily="34" charset="0"/>
+              </a:rPr>
+              <a:t>New releases</a:t>
+            </a:r>
+          </a:p>
+          <a:p>
+            <a:pPr marL="285750" indent="-285750" algn="just"/>
+            <a:r>
+              <a:rPr lang="en-GB" dirty="0" smtClean="0">
+                <a:solidFill>
+                  <a:schemeClr val="bg1"/>
+                </a:solidFill>
+                <a:latin typeface="Segoe UI" panose="020B0502040204020203" pitchFamily="34" charset="0"/>
+                <a:cs typeface="Segoe UI" panose="020B0502040204020203" pitchFamily="34" charset="0"/>
+              </a:rPr>
+              <a:t>Classifications</a:t>
+            </a:r>
+          </a:p>
+          <a:p>
+            <a:pPr marL="285750" indent="-285750" algn="just"/>
+            <a:r>
+              <a:rPr lang="en-GB" dirty="0" smtClean="0">
+                <a:solidFill>
+                  <a:schemeClr val="bg1"/>
+                </a:solidFill>
+                <a:latin typeface="Segoe UI" panose="020B0502040204020203" pitchFamily="34" charset="0"/>
+                <a:cs typeface="Segoe UI" panose="020B0502040204020203" pitchFamily="34" charset="0"/>
+              </a:rPr>
+              <a:t>Screens</a:t>
+            </a:r>
+          </a:p>
+          <a:p>
+            <a:pPr marL="285750" indent="-285750" algn="just"/>
+            <a:r>
+              <a:rPr lang="en-GB" dirty="0" smtClean="0">
+                <a:solidFill>
+                  <a:schemeClr val="bg1"/>
+                </a:solidFill>
+                <a:latin typeface="Segoe UI" panose="020B0502040204020203" pitchFamily="34" charset="0"/>
+                <a:cs typeface="Segoe UI" panose="020B0502040204020203" pitchFamily="34" charset="0"/>
+              </a:rPr>
+              <a:t>Ticket bookings</a:t>
+            </a:r>
+          </a:p>
+          <a:p>
+            <a:pPr marL="285750" indent="-285750" algn="just"/>
+            <a:r>
+              <a:rPr lang="en-GB" dirty="0" smtClean="0">
+                <a:solidFill>
+                  <a:schemeClr val="bg1"/>
+                </a:solidFill>
+                <a:latin typeface="Segoe UI" panose="020B0502040204020203" pitchFamily="34" charset="0"/>
+                <a:cs typeface="Segoe UI" panose="020B0502040204020203" pitchFamily="34" charset="0"/>
+              </a:rPr>
+              <a:t>Payment</a:t>
+            </a:r>
+          </a:p>
+          <a:p>
+            <a:pPr marL="0" indent="0" algn="just">
+              <a:buNone/>
+            </a:pPr>
+            <a:endParaRPr lang="en-GB" dirty="0" smtClean="0">
+              <a:solidFill>
+                <a:schemeClr val="bg1"/>
+              </a:solidFill>
+              <a:latin typeface="Segoe UI" panose="020B0502040204020203" pitchFamily="34" charset="0"/>
+              <a:cs typeface="Segoe UI" panose="020B0502040204020203" pitchFamily="34" charset="0"/>
+            </a:endParaRPr>
+          </a:p>
+          <a:p>
+            <a:pPr marL="0" indent="0" algn="just">
+              <a:buNone/>
+            </a:pPr>
+            <a:endParaRPr lang="en-GB" dirty="0" smtClean="0">
+              <a:solidFill>
+                <a:schemeClr val="bg1"/>
+              </a:solidFill>
+              <a:latin typeface="Segoe UI" panose="020B0502040204020203" pitchFamily="34" charset="0"/>
+              <a:cs typeface="Segoe UI" panose="020B0502040204020203" pitchFamily="34" charset="0"/>
+            </a:endParaRPr>
+          </a:p>
+          <a:p>
+            <a:pPr marL="0" indent="0" algn="just">
+              <a:buNone/>
+            </a:pPr>
+            <a:r>
+              <a:rPr lang="en-GB" dirty="0" smtClean="0">
+                <a:solidFill>
+                  <a:schemeClr val="bg1"/>
+                </a:solidFill>
+                <a:latin typeface="Segoe UI" panose="020B0502040204020203" pitchFamily="34" charset="0"/>
+                <a:cs typeface="Segoe UI" panose="020B0502040204020203" pitchFamily="34" charset="0"/>
+              </a:rPr>
+              <a:t>Sprint 2</a:t>
+            </a:r>
+          </a:p>
+          <a:p>
+            <a:pPr marL="0" indent="0" algn="just">
+              <a:buNone/>
+            </a:pPr>
+            <a:endParaRPr lang="en-GB" dirty="0">
+              <a:solidFill>
+                <a:schemeClr val="bg1"/>
+              </a:solidFill>
+              <a:latin typeface="Segoe UI" panose="020B0502040204020203" pitchFamily="34" charset="0"/>
+              <a:cs typeface="Segoe UI" panose="020B0502040204020203" pitchFamily="34" charset="0"/>
+            </a:endParaRPr>
+          </a:p>
+          <a:p>
+            <a:pPr marL="285750" indent="-285750" algn="just"/>
+            <a:r>
+              <a:rPr lang="en-GB" dirty="0" smtClean="0">
+                <a:solidFill>
+                  <a:schemeClr val="bg1"/>
+                </a:solidFill>
+                <a:latin typeface="Segoe UI" panose="020B0502040204020203" pitchFamily="34" charset="0"/>
+                <a:cs typeface="Segoe UI" panose="020B0502040204020203" pitchFamily="34" charset="0"/>
+              </a:rPr>
+              <a:t>Places to go</a:t>
+            </a:r>
+          </a:p>
+          <a:p>
+            <a:pPr marL="285750" indent="-285750" algn="just"/>
+            <a:r>
+              <a:rPr lang="en-GB" dirty="0" smtClean="0">
+                <a:solidFill>
+                  <a:schemeClr val="bg1"/>
+                </a:solidFill>
+                <a:latin typeface="Segoe UI" panose="020B0502040204020203" pitchFamily="34" charset="0"/>
+                <a:cs typeface="Segoe UI" panose="020B0502040204020203" pitchFamily="34" charset="0"/>
+              </a:rPr>
+              <a:t>Find us</a:t>
+            </a:r>
+          </a:p>
+          <a:p>
+            <a:pPr marL="285750" indent="-285750" algn="just"/>
+            <a:r>
+              <a:rPr lang="en-GB" dirty="0" smtClean="0">
+                <a:solidFill>
+                  <a:schemeClr val="bg1"/>
+                </a:solidFill>
+                <a:latin typeface="Segoe UI" panose="020B0502040204020203" pitchFamily="34" charset="0"/>
+                <a:cs typeface="Segoe UI" panose="020B0502040204020203" pitchFamily="34" charset="0"/>
+              </a:rPr>
+              <a:t>Discussion board</a:t>
+            </a:r>
+            <a:endParaRPr lang="en-GB" dirty="0">
+              <a:solidFill>
+                <a:schemeClr val="bg1"/>
+              </a:solidFill>
+              <a:latin typeface="Segoe UI" panose="020B0502040204020203" pitchFamily="34" charset="0"/>
+              <a:cs typeface="Segoe UI" panose="020B0502040204020203" pitchFamily="34" charset="0"/>
+            </a:endParaRPr>
+          </a:p>
+          <a:p>
+            <a:pPr marL="285750" indent="-285750" algn="just"/>
+            <a:r>
+              <a:rPr lang="en-GB" dirty="0" smtClean="0">
+                <a:solidFill>
+                  <a:schemeClr val="bg1"/>
+                </a:solidFill>
+                <a:latin typeface="Segoe UI" panose="020B0502040204020203" pitchFamily="34" charset="0"/>
+                <a:cs typeface="Segoe UI" panose="020B0502040204020203" pitchFamily="34" charset="0"/>
+              </a:rPr>
+              <a:t>Background colour</a:t>
+            </a:r>
+            <a:endParaRPr lang="en-GB" dirty="0" smtClean="0">
+              <a:solidFill>
+                <a:schemeClr val="bg1"/>
+              </a:solidFill>
+              <a:latin typeface="Segoe UI" panose="020B0502040204020203" pitchFamily="34" charset="0"/>
+              <a:cs typeface="Segoe UI" panose="020B0502040204020203" pitchFamily="34" charset="0"/>
+            </a:endParaRPr>
+          </a:p>
+          <a:p>
+            <a:pPr marL="0" indent="0" algn="just">
+              <a:buNone/>
+            </a:pPr>
+            <a:endParaRPr lang="en-GB" dirty="0" smtClean="0">
+              <a:solidFill>
+                <a:schemeClr val="bg1"/>
+              </a:solidFill>
+              <a:latin typeface="Segoe UI" panose="020B0502040204020203" pitchFamily="34" charset="0"/>
+              <a:cs typeface="Segoe UI" panose="020B0502040204020203" pitchFamily="34" charset="0"/>
+            </a:endParaRPr>
+          </a:p>
+          <a:p>
+            <a:pPr marL="0" indent="0" algn="just">
+              <a:buNone/>
+            </a:pPr>
+            <a:endParaRPr lang="en-GB" dirty="0">
+              <a:solidFill>
+                <a:schemeClr val="bg1"/>
+              </a:solidFill>
+              <a:latin typeface="Segoe UI" panose="020B0502040204020203" pitchFamily="34" charset="0"/>
+              <a:cs typeface="Segoe UI" panose="020B0502040204020203" pitchFamily="34" charset="0"/>
+            </a:endParaRPr>
+          </a:p>
+          <a:p>
+            <a:pPr marL="0" indent="0" algn="just">
+              <a:buNone/>
+            </a:pPr>
+            <a:endParaRPr lang="en-GB" dirty="0" smtClean="0">
+              <a:solidFill>
+                <a:schemeClr val="bg1"/>
+              </a:solidFill>
+              <a:latin typeface="Segoe UI" panose="020B0502040204020203" pitchFamily="34" charset="0"/>
+              <a:cs typeface="Segoe UI" panose="020B0502040204020203" pitchFamily="34" charset="0"/>
+            </a:endParaRPr>
+          </a:p>
+          <a:p>
+            <a:pPr marL="0" indent="0" algn="just">
+              <a:buNone/>
+            </a:pPr>
+            <a:endParaRPr lang="en-GB" dirty="0">
+              <a:solidFill>
+                <a:schemeClr val="bg1"/>
+              </a:solidFill>
+              <a:latin typeface="Segoe UI" panose="020B0502040204020203" pitchFamily="34" charset="0"/>
+              <a:cs typeface="Segoe UI" panose="020B0502040204020203" pitchFamily="34" charset="0"/>
+            </a:endParaRPr>
+          </a:p>
+          <a:p>
+            <a:pPr marL="0" indent="0" algn="just">
+              <a:buNone/>
+            </a:pPr>
+            <a:endParaRPr lang="en-GB" dirty="0" smtClean="0">
+              <a:solidFill>
+                <a:schemeClr val="bg1"/>
+              </a:solidFill>
+              <a:latin typeface="Segoe UI" panose="020B0502040204020203" pitchFamily="34" charset="0"/>
+              <a:cs typeface="Segoe UI" panose="020B0502040204020203" pitchFamily="34" charset="0"/>
+            </a:endParaRPr>
+          </a:p>
+          <a:p>
+            <a:pPr marL="0" indent="0" algn="just">
+              <a:buNone/>
+            </a:pPr>
+            <a:r>
+              <a:rPr lang="en-GB" dirty="0" smtClean="0">
+                <a:solidFill>
+                  <a:schemeClr val="bg1"/>
+                </a:solidFill>
+                <a:latin typeface="Segoe UI" panose="020B0502040204020203" pitchFamily="34" charset="0"/>
+                <a:cs typeface="Segoe UI" panose="020B0502040204020203" pitchFamily="34" charset="0"/>
+              </a:rPr>
+              <a:t>Sprint 3</a:t>
+            </a:r>
+          </a:p>
+          <a:p>
+            <a:pPr marL="0" indent="0" algn="just">
+              <a:buNone/>
+            </a:pPr>
+            <a:endParaRPr lang="en-GB" dirty="0">
+              <a:solidFill>
+                <a:schemeClr val="bg1"/>
+              </a:solidFill>
+              <a:latin typeface="Segoe UI" panose="020B0502040204020203" pitchFamily="34" charset="0"/>
+              <a:cs typeface="Segoe UI" panose="020B0502040204020203" pitchFamily="34" charset="0"/>
+            </a:endParaRPr>
+          </a:p>
+          <a:p>
+            <a:pPr marL="285750" indent="-285750" algn="just"/>
+            <a:r>
+              <a:rPr lang="en-GB" dirty="0" smtClean="0">
+                <a:solidFill>
+                  <a:schemeClr val="bg1"/>
+                </a:solidFill>
+                <a:latin typeface="Segoe UI" panose="020B0502040204020203" pitchFamily="34" charset="0"/>
+                <a:cs typeface="Segoe UI" panose="020B0502040204020203" pitchFamily="34" charset="0"/>
+              </a:rPr>
+              <a:t>Site navigation</a:t>
+            </a:r>
+            <a:endParaRPr lang="en-GB" dirty="0">
+              <a:solidFill>
+                <a:schemeClr val="bg1"/>
+              </a:solidFill>
+              <a:latin typeface="Segoe UI" panose="020B0502040204020203" pitchFamily="34" charset="0"/>
+              <a:cs typeface="Segoe UI" panose="020B0502040204020203" pitchFamily="34" charset="0"/>
+            </a:endParaRPr>
+          </a:p>
+          <a:p>
+            <a:pPr marL="285750" indent="-285750" algn="just"/>
+            <a:r>
+              <a:rPr lang="en-GB" dirty="0" smtClean="0">
+                <a:solidFill>
+                  <a:schemeClr val="bg1"/>
+                </a:solidFill>
+                <a:latin typeface="Segoe UI" panose="020B0502040204020203" pitchFamily="34" charset="0"/>
+                <a:cs typeface="Segoe UI" panose="020B0502040204020203" pitchFamily="34" charset="0"/>
+              </a:rPr>
+              <a:t>Search</a:t>
+            </a:r>
+            <a:endParaRPr lang="en-GB" dirty="0">
+              <a:solidFill>
+                <a:schemeClr val="bg1"/>
+              </a:solidFill>
+              <a:latin typeface="Segoe UI" panose="020B0502040204020203" pitchFamily="34" charset="0"/>
+              <a:cs typeface="Segoe UI" panose="020B0502040204020203" pitchFamily="34" charset="0"/>
+            </a:endParaRPr>
+          </a:p>
+          <a:p>
+            <a:pPr marL="285750" indent="-285750" algn="just"/>
+            <a:r>
+              <a:rPr lang="en-GB" dirty="0" smtClean="0">
+                <a:solidFill>
+                  <a:schemeClr val="bg1"/>
+                </a:solidFill>
+                <a:latin typeface="Segoe UI" panose="020B0502040204020203" pitchFamily="34" charset="0"/>
+                <a:cs typeface="Segoe UI" panose="020B0502040204020203" pitchFamily="34" charset="0"/>
+              </a:rPr>
+              <a:t>Email form</a:t>
+            </a:r>
+            <a:endParaRPr lang="en-GB" dirty="0">
+              <a:solidFill>
+                <a:schemeClr val="bg1"/>
+              </a:solidFill>
+              <a:latin typeface="Segoe UI" panose="020B0502040204020203" pitchFamily="34" charset="0"/>
+              <a:cs typeface="Segoe UI" panose="020B0502040204020203" pitchFamily="34" charset="0"/>
+            </a:endParaRPr>
+          </a:p>
+          <a:p>
+            <a:pPr marL="0" indent="0" algn="just">
+              <a:buNone/>
+            </a:pPr>
+            <a:endParaRPr lang="en-GB" dirty="0" smtClean="0">
+              <a:solidFill>
+                <a:schemeClr val="bg1"/>
+              </a:solidFill>
+              <a:latin typeface="Segoe UI" panose="020B0502040204020203" pitchFamily="34" charset="0"/>
+              <a:cs typeface="Segoe UI" panose="020B0502040204020203" pitchFamily="34" charset="0"/>
+            </a:endParaRPr>
+          </a:p>
+          <a:p>
+            <a:pPr marL="0" indent="0" algn="just">
+              <a:buNone/>
+            </a:pPr>
+            <a:endParaRPr lang="en-GB" dirty="0" smtClean="0">
+              <a:solidFill>
+                <a:schemeClr val="bg1"/>
+              </a:solidFill>
+              <a:latin typeface="Segoe UI" panose="020B0502040204020203" pitchFamily="34" charset="0"/>
+              <a:cs typeface="Segoe UI" panose="020B0502040204020203" pitchFamily="34" charset="0"/>
+            </a:endParaRPr>
+          </a:p>
+          <a:p>
+            <a:pPr marL="0" indent="0" algn="just">
+              <a:buNone/>
+            </a:pPr>
+            <a:endParaRPr lang="en-GB" dirty="0">
+              <a:solidFill>
+                <a:schemeClr val="bg1"/>
+              </a:solidFill>
+              <a:latin typeface="Segoe UI" panose="020B0502040204020203" pitchFamily="34" charset="0"/>
+              <a:cs typeface="Segoe UI" panose="020B0502040204020203" pitchFamily="34" charset="0"/>
+            </a:endParaRPr>
+          </a:p>
+          <a:p>
+            <a:pPr marL="0" indent="0" algn="just">
+              <a:buNone/>
+            </a:pPr>
+            <a:endParaRPr lang="en-GB" dirty="0" smtClean="0">
+              <a:solidFill>
+                <a:schemeClr val="bg1"/>
+              </a:solidFill>
+              <a:latin typeface="Segoe UI" panose="020B0502040204020203" pitchFamily="34" charset="0"/>
+              <a:cs typeface="Segoe UI" panose="020B0502040204020203" pitchFamily="34" charset="0"/>
+            </a:endParaRPr>
+          </a:p>
+          <a:p>
+            <a:pPr marL="0" indent="0" algn="just">
+              <a:buNone/>
+            </a:pPr>
+            <a:endParaRPr lang="en-GB" dirty="0">
+              <a:solidFill>
+                <a:schemeClr val="bg1"/>
+              </a:solidFill>
+              <a:latin typeface="Segoe UI" panose="020B0502040204020203" pitchFamily="34" charset="0"/>
+              <a:cs typeface="Segoe UI" panose="020B0502040204020203" pitchFamily="34" charset="0"/>
+            </a:endParaRPr>
+          </a:p>
+          <a:p>
+            <a:pPr marL="0" indent="0" algn="just">
+              <a:buNone/>
+            </a:pPr>
+            <a:endParaRPr lang="en-GB" dirty="0" smtClean="0">
+              <a:solidFill>
+                <a:schemeClr val="bg1"/>
+              </a:solidFill>
+              <a:latin typeface="Segoe UI" panose="020B0502040204020203" pitchFamily="34" charset="0"/>
+              <a:cs typeface="Segoe UI" panose="020B0502040204020203" pitchFamily="34" charset="0"/>
+            </a:endParaRPr>
+          </a:p>
+          <a:p>
+            <a:pPr marL="0" indent="0" algn="just">
+              <a:buNone/>
+            </a:pPr>
+            <a:endParaRPr lang="en-GB" dirty="0" smtClean="0">
+              <a:solidFill>
+                <a:schemeClr val="bg1"/>
+              </a:solidFill>
+              <a:latin typeface="Segoe UI" panose="020B0502040204020203" pitchFamily="34" charset="0"/>
+              <a:cs typeface="Segoe UI" panose="020B0502040204020203" pitchFamily="34" charset="0"/>
+            </a:endParaRPr>
+          </a:p>
+          <a:p>
+            <a:pPr marL="0" indent="0" algn="just">
+              <a:buNone/>
+            </a:pPr>
+            <a:r>
+              <a:rPr lang="en-GB" dirty="0" smtClean="0">
+                <a:solidFill>
+                  <a:schemeClr val="bg1"/>
+                </a:solidFill>
+                <a:latin typeface="Segoe UI" panose="020B0502040204020203" pitchFamily="34" charset="0"/>
+                <a:cs typeface="Segoe UI" panose="020B0502040204020203" pitchFamily="34" charset="0"/>
+              </a:rPr>
+              <a:t>Sprint 4</a:t>
+            </a:r>
+          </a:p>
+          <a:p>
+            <a:pPr marL="0" indent="0" algn="just">
+              <a:buNone/>
+            </a:pPr>
+            <a:endParaRPr lang="en-GB" dirty="0">
+              <a:solidFill>
+                <a:schemeClr val="bg1"/>
+              </a:solidFill>
+              <a:latin typeface="Segoe UI" panose="020B0502040204020203" pitchFamily="34" charset="0"/>
+              <a:cs typeface="Segoe UI" panose="020B0502040204020203" pitchFamily="34" charset="0"/>
+            </a:endParaRPr>
+          </a:p>
+          <a:p>
+            <a:pPr marL="285750" indent="-285750" algn="just"/>
+            <a:r>
+              <a:rPr lang="en-GB" dirty="0" smtClean="0">
+                <a:solidFill>
+                  <a:schemeClr val="bg1"/>
+                </a:solidFill>
+                <a:latin typeface="Segoe UI" panose="020B0502040204020203" pitchFamily="34" charset="0"/>
+                <a:cs typeface="Segoe UI" panose="020B0502040204020203" pitchFamily="34" charset="0"/>
+              </a:rPr>
+              <a:t>About us</a:t>
+            </a:r>
+            <a:endParaRPr lang="en-GB" dirty="0">
+              <a:solidFill>
+                <a:schemeClr val="bg1"/>
+              </a:solidFill>
+              <a:latin typeface="Segoe UI" panose="020B0502040204020203" pitchFamily="34" charset="0"/>
+              <a:cs typeface="Segoe UI" panose="020B0502040204020203" pitchFamily="34" charset="0"/>
+            </a:endParaRPr>
+          </a:p>
+          <a:p>
+            <a:pPr marL="285750" indent="-285750" algn="just"/>
+            <a:r>
+              <a:rPr lang="en-GB" dirty="0" smtClean="0">
+                <a:solidFill>
+                  <a:schemeClr val="bg1"/>
+                </a:solidFill>
+                <a:latin typeface="Segoe UI" panose="020B0502040204020203" pitchFamily="34" charset="0"/>
+                <a:cs typeface="Segoe UI" panose="020B0502040204020203" pitchFamily="34" charset="0"/>
+              </a:rPr>
+              <a:t>Contact us</a:t>
+            </a:r>
+            <a:endParaRPr lang="en-GB" dirty="0">
+              <a:solidFill>
+                <a:schemeClr val="bg1"/>
+              </a:solidFill>
+              <a:latin typeface="Segoe UI" panose="020B0502040204020203" pitchFamily="34" charset="0"/>
+              <a:cs typeface="Segoe UI" panose="020B0502040204020203" pitchFamily="34" charset="0"/>
+            </a:endParaRPr>
+          </a:p>
+          <a:p>
+            <a:pPr marL="285750" indent="-285750" algn="just"/>
+            <a:r>
+              <a:rPr lang="en-GB" dirty="0" smtClean="0">
+                <a:solidFill>
+                  <a:schemeClr val="bg1"/>
+                </a:solidFill>
+                <a:latin typeface="Segoe UI" panose="020B0502040204020203" pitchFamily="34" charset="0"/>
+                <a:cs typeface="Segoe UI" panose="020B0502040204020203" pitchFamily="34" charset="0"/>
+              </a:rPr>
+              <a:t>Page footer</a:t>
+            </a:r>
+          </a:p>
+          <a:p>
+            <a:pPr marL="285750" indent="-285750" algn="just"/>
+            <a:r>
+              <a:rPr lang="en-GB" dirty="0" smtClean="0">
+                <a:solidFill>
+                  <a:schemeClr val="bg1"/>
+                </a:solidFill>
+                <a:latin typeface="Segoe UI" panose="020B0502040204020203" pitchFamily="34" charset="0"/>
+                <a:cs typeface="Segoe UI" panose="020B0502040204020203" pitchFamily="34" charset="0"/>
+              </a:rPr>
+              <a:t>Page header</a:t>
+            </a:r>
+          </a:p>
+          <a:p>
+            <a:pPr marL="285750" indent="-285750" algn="just"/>
+            <a:r>
+              <a:rPr lang="en-GB" dirty="0" smtClean="0">
+                <a:solidFill>
+                  <a:schemeClr val="bg1"/>
+                </a:solidFill>
+                <a:latin typeface="Segoe UI" panose="020B0502040204020203" pitchFamily="34" charset="0"/>
+                <a:cs typeface="Segoe UI" panose="020B0502040204020203" pitchFamily="34" charset="0"/>
+              </a:rPr>
+              <a:t>Scrum description</a:t>
+            </a:r>
+          </a:p>
+          <a:p>
+            <a:pPr marL="285750" indent="-285750" algn="just"/>
+            <a:r>
+              <a:rPr lang="en-GB" dirty="0" smtClean="0">
+                <a:solidFill>
+                  <a:schemeClr val="bg1"/>
+                </a:solidFill>
+                <a:latin typeface="Segoe UI" panose="020B0502040204020203" pitchFamily="34" charset="0"/>
+                <a:cs typeface="Segoe UI" panose="020B0502040204020203" pitchFamily="34" charset="0"/>
+              </a:rPr>
+              <a:t>Custom logo</a:t>
+            </a:r>
+          </a:p>
+          <a:p>
+            <a:pPr marL="285750" indent="-285750" algn="just"/>
+            <a:r>
+              <a:rPr lang="en-GB" dirty="0" smtClean="0">
+                <a:solidFill>
+                  <a:schemeClr val="bg1"/>
+                </a:solidFill>
+                <a:latin typeface="Segoe UI" panose="020B0502040204020203" pitchFamily="34" charset="0"/>
+                <a:cs typeface="Segoe UI" panose="020B0502040204020203" pitchFamily="34" charset="0"/>
+              </a:rPr>
+              <a:t>Administration login</a:t>
+            </a:r>
+          </a:p>
+          <a:p>
+            <a:pPr marL="285750" indent="-285750" algn="just"/>
+            <a:r>
+              <a:rPr lang="en-GB" dirty="0" smtClean="0">
+                <a:solidFill>
+                  <a:schemeClr val="bg1"/>
+                </a:solidFill>
+                <a:latin typeface="Segoe UI" panose="020B0502040204020203" pitchFamily="34" charset="0"/>
+                <a:cs typeface="Segoe UI" panose="020B0502040204020203" pitchFamily="34" charset="0"/>
+              </a:rPr>
+              <a:t>Social media</a:t>
+            </a:r>
+            <a:endParaRPr dirty="0">
+              <a:solidFill>
+                <a:schemeClr val="bg1"/>
+              </a:solidFill>
+              <a:latin typeface="Segoe UI" panose="020B0502040204020203" pitchFamily="34" charset="0"/>
+              <a:cs typeface="Segoe UI" panose="020B0502040204020203" pitchFamily="34" charset="0"/>
+            </a:endParaRPr>
+          </a:p>
+        </p:txBody>
+      </p:sp>
+    </p:spTree>
+    <p:extLst>
+      <p:ext uri="{BB962C8B-B14F-4D97-AF65-F5344CB8AC3E}">
+        <p14:creationId xmlns:p14="http://schemas.microsoft.com/office/powerpoint/2010/main" val="4099190688"/>
+      </p:ext>
+    </p:extLst>
+  </p:cSld>
+  <p:clrMapOvr>
+    <a:masterClrMapping/>
+  </p:clrMapOvr>
+  <p:timing>
+    <p:tnLst>
+      <p:par>
+        <p:cTn id="1" dur="indefinite" restart="never" nodeType="tmRoot"/>
+      </p:par>
+    </p:tnLst>
+  </p:timing>
+</p:sld>
+</file>
+
+<file path=ppt/slides/slide4.xml><?xml version="1.0" encoding="utf-8"?>
 <p:sld xmlns:a="http://schemas.openxmlformats.org/drawingml/2006/main" xmlns:r="http://schemas.openxmlformats.org/officeDocument/2006/relationships" xmlns:p="http://schemas.openxmlformats.org/presentationml/2006/main">
   <p:cSld>
     <p:bg>
@@ -14002,7 +15037,7 @@
         </p:blipFill>
         <p:spPr>
           <a:xfrm>
-            <a:off x="446963" y="2302047"/>
+            <a:off x="486643" y="2458189"/>
             <a:ext cx="2508100" cy="1357919"/>
           </a:xfrm>
           <a:prstGeom prst="rect">
@@ -14196,7 +15231,7 @@
         </p:blipFill>
         <p:spPr>
           <a:xfrm>
-            <a:off x="2158176" y="1130205"/>
+            <a:off x="1621463" y="1170540"/>
             <a:ext cx="2514724" cy="1474575"/>
           </a:xfrm>
           <a:prstGeom prst="rect">
@@ -14208,372 +15243,6 @@
           </a:ln>
         </p:spPr>
       </p:pic>
-    </p:spTree>
-  </p:cSld>
-  <p:clrMapOvr>
-    <a:masterClrMapping/>
-  </p:clrMapOvr>
-  <p:timing>
-    <p:tnLst>
-      <p:par>
-        <p:cTn id="1" dur="indefinite" restart="never" nodeType="tmRoot"/>
-      </p:par>
-    </p:tnLst>
-  </p:timing>
-</p:sld>
-</file>
-
-<file path=ppt/slides/slide4.xml><?xml version="1.0" encoding="utf-8"?>
-<p:sld xmlns:a="http://schemas.openxmlformats.org/drawingml/2006/main" xmlns:r="http://schemas.openxmlformats.org/officeDocument/2006/relationships" xmlns:p="http://schemas.openxmlformats.org/presentationml/2006/main">
-  <p:cSld>
-    <p:bg>
-      <p:bgPr>
-        <a:solidFill>
-          <a:schemeClr val="tx1"/>
-        </a:solidFill>
-        <a:effectLst/>
-      </p:bgPr>
-    </p:bg>
-    <p:spTree>
-      <p:nvGrpSpPr>
-        <p:cNvPr id="1" name="Shape 156"/>
-        <p:cNvGrpSpPr/>
-        <p:nvPr/>
-      </p:nvGrpSpPr>
-      <p:grpSpPr>
-        <a:xfrm>
-          <a:off x="0" y="0"/>
-          <a:ext cx="0" cy="0"/>
-          <a:chOff x="0" y="0"/>
-          <a:chExt cx="0" cy="0"/>
-        </a:xfrm>
-      </p:grpSpPr>
-      <p:sp>
-        <p:nvSpPr>
-          <p:cNvPr id="157" name="Google Shape;157;p17"/>
-          <p:cNvSpPr txBox="1">
-            <a:spLocks noGrp="1"/>
-          </p:cNvSpPr>
-          <p:nvPr>
-            <p:ph type="title"/>
-          </p:nvPr>
-        </p:nvSpPr>
-        <p:spPr>
-          <a:prstGeom prst="rect">
-            <a:avLst/>
-          </a:prstGeom>
-        </p:spPr>
-        <p:txBody>
-          <a:bodyPr spcFirstLastPara="1" wrap="square" lIns="91425" tIns="91425" rIns="91425" bIns="91425" anchor="t" anchorCtr="0">
-            <a:noAutofit/>
-          </a:bodyPr>
-          <a:lstStyle/>
-          <a:p>
-            <a:pPr marL="0" lvl="0" indent="0">
-              <a:spcBef>
-                <a:spcPts val="0"/>
-              </a:spcBef>
-              <a:spcAft>
-                <a:spcPts val="0"/>
-              </a:spcAft>
-              <a:buNone/>
-            </a:pPr>
-            <a:r>
-              <a:rPr lang="en" dirty="0">
-                <a:solidFill>
-                  <a:schemeClr val="bg1"/>
-                </a:solidFill>
-                <a:latin typeface="Segoe UI" panose="020B0502040204020203" pitchFamily="34" charset="0"/>
-                <a:cs typeface="Segoe UI" panose="020B0502040204020203" pitchFamily="34" charset="0"/>
-              </a:rPr>
-              <a:t>Front-end </a:t>
-            </a:r>
-            <a:r>
-              <a:rPr lang="en" dirty="0" smtClean="0">
-                <a:solidFill>
-                  <a:schemeClr val="bg1"/>
-                </a:solidFill>
-                <a:latin typeface="Segoe UI" panose="020B0502040204020203" pitchFamily="34" charset="0"/>
-                <a:cs typeface="Segoe UI" panose="020B0502040204020203" pitchFamily="34" charset="0"/>
-              </a:rPr>
-              <a:t>development</a:t>
-            </a:r>
-            <a:endParaRPr dirty="0">
-              <a:solidFill>
-                <a:schemeClr val="bg1"/>
-              </a:solidFill>
-              <a:latin typeface="Segoe UI" panose="020B0502040204020203" pitchFamily="34" charset="0"/>
-              <a:cs typeface="Segoe UI" panose="020B0502040204020203" pitchFamily="34" charset="0"/>
-            </a:endParaRPr>
-          </a:p>
-        </p:txBody>
-      </p:sp>
-      <p:sp>
-        <p:nvSpPr>
-          <p:cNvPr id="158" name="Google Shape;158;p17"/>
-          <p:cNvSpPr txBox="1">
-            <a:spLocks noGrp="1"/>
-          </p:cNvSpPr>
-          <p:nvPr>
-            <p:ph type="body" idx="1"/>
-          </p:nvPr>
-        </p:nvSpPr>
-        <p:spPr>
-          <a:xfrm>
-            <a:off x="819150" y="1447800"/>
-            <a:ext cx="7505700" cy="2990925"/>
-          </a:xfrm>
-          <a:prstGeom prst="rect">
-            <a:avLst/>
-          </a:prstGeom>
-        </p:spPr>
-        <p:txBody>
-          <a:bodyPr spcFirstLastPara="1" wrap="square" lIns="91425" tIns="91425" rIns="91425" bIns="91425" anchor="t" anchorCtr="0">
-            <a:noAutofit/>
-          </a:bodyPr>
-          <a:lstStyle/>
-          <a:p>
-            <a:endParaRPr lang="en" dirty="0" smtClean="0">
-              <a:solidFill>
-                <a:schemeClr val="bg1"/>
-              </a:solidFill>
-              <a:latin typeface="Segoe UI" panose="020B0502040204020203" pitchFamily="34" charset="0"/>
-              <a:cs typeface="Segoe UI" panose="020B0502040204020203" pitchFamily="34" charset="0"/>
-            </a:endParaRPr>
-          </a:p>
-          <a:p>
-            <a:pPr marL="146050" lvl="0" indent="0">
-              <a:buNone/>
-            </a:pPr>
-            <a:endParaRPr lang="en-GB" dirty="0" smtClean="0">
-              <a:solidFill>
-                <a:schemeClr val="bg1"/>
-              </a:solidFill>
-              <a:latin typeface="Segoe UI" panose="020B0502040204020203" pitchFamily="34" charset="0"/>
-              <a:cs typeface="Segoe UI" panose="020B0502040204020203" pitchFamily="34" charset="0"/>
-            </a:endParaRPr>
-          </a:p>
-          <a:p>
-            <a:pPr lvl="0"/>
-            <a:r>
-              <a:rPr lang="en-GB" dirty="0">
-                <a:solidFill>
-                  <a:schemeClr val="bg1"/>
-                </a:solidFill>
-                <a:latin typeface="Segoe UI" panose="020B0502040204020203" pitchFamily="34" charset="0"/>
-                <a:cs typeface="Segoe UI" panose="020B0502040204020203" pitchFamily="34" charset="0"/>
-              </a:rPr>
-              <a:t>The </a:t>
-            </a:r>
-            <a:r>
-              <a:rPr lang="en-GB" dirty="0" smtClean="0">
-                <a:solidFill>
-                  <a:schemeClr val="bg1"/>
-                </a:solidFill>
-                <a:latin typeface="Segoe UI" panose="020B0502040204020203" pitchFamily="34" charset="0"/>
-                <a:cs typeface="Segoe UI" panose="020B0502040204020203" pitchFamily="34" charset="0"/>
-              </a:rPr>
-              <a:t>high-level front </a:t>
-            </a:r>
-            <a:r>
-              <a:rPr lang="en-GB" dirty="0">
-                <a:solidFill>
-                  <a:schemeClr val="bg1"/>
-                </a:solidFill>
-                <a:latin typeface="Segoe UI" panose="020B0502040204020203" pitchFamily="34" charset="0"/>
-                <a:cs typeface="Segoe UI" panose="020B0502040204020203" pitchFamily="34" charset="0"/>
-              </a:rPr>
-              <a:t>end was split between the two frontend </a:t>
-            </a:r>
-            <a:r>
-              <a:rPr lang="en-GB" dirty="0" smtClean="0">
-                <a:solidFill>
-                  <a:schemeClr val="bg1"/>
-                </a:solidFill>
-                <a:latin typeface="Segoe UI" panose="020B0502040204020203" pitchFamily="34" charset="0"/>
-                <a:cs typeface="Segoe UI" panose="020B0502040204020203" pitchFamily="34" charset="0"/>
-              </a:rPr>
-              <a:t>developers. </a:t>
-            </a:r>
-          </a:p>
-          <a:p>
-            <a:pPr lvl="0"/>
-            <a:endParaRPr lang="en" dirty="0" smtClean="0">
-              <a:solidFill>
-                <a:schemeClr val="bg1"/>
-              </a:solidFill>
-              <a:latin typeface="Segoe UI" panose="020B0502040204020203" pitchFamily="34" charset="0"/>
-              <a:cs typeface="Segoe UI" panose="020B0502040204020203" pitchFamily="34" charset="0"/>
-            </a:endParaRPr>
-          </a:p>
-          <a:p>
-            <a:pPr lvl="0"/>
-            <a:r>
-              <a:rPr lang="en" dirty="0" smtClean="0">
-                <a:solidFill>
-                  <a:schemeClr val="bg1"/>
-                </a:solidFill>
-                <a:latin typeface="Segoe UI" panose="020B0502040204020203" pitchFamily="34" charset="0"/>
-                <a:cs typeface="Segoe UI" panose="020B0502040204020203" pitchFamily="34" charset="0"/>
-              </a:rPr>
-              <a:t>Two </a:t>
-            </a:r>
-            <a:r>
-              <a:rPr lang="en" dirty="0">
-                <a:solidFill>
-                  <a:schemeClr val="bg1"/>
-                </a:solidFill>
-                <a:latin typeface="Segoe UI" panose="020B0502040204020203" pitchFamily="34" charset="0"/>
-                <a:cs typeface="Segoe UI" panose="020B0502040204020203" pitchFamily="34" charset="0"/>
-              </a:rPr>
-              <a:t>developers made the web pages with HTML, CSS, and JavaScript</a:t>
-            </a:r>
-            <a:r>
-              <a:rPr lang="en" dirty="0" smtClean="0">
-                <a:solidFill>
-                  <a:schemeClr val="bg1"/>
-                </a:solidFill>
-                <a:latin typeface="Segoe UI" panose="020B0502040204020203" pitchFamily="34" charset="0"/>
-                <a:cs typeface="Segoe UI" panose="020B0502040204020203" pitchFamily="34" charset="0"/>
-              </a:rPr>
-              <a:t>.</a:t>
-            </a:r>
-          </a:p>
-          <a:p>
-            <a:pPr lvl="0"/>
-            <a:endParaRPr lang="en" dirty="0" smtClean="0">
-              <a:solidFill>
-                <a:schemeClr val="bg1"/>
-              </a:solidFill>
-              <a:latin typeface="Segoe UI" panose="020B0502040204020203" pitchFamily="34" charset="0"/>
-              <a:cs typeface="Segoe UI" panose="020B0502040204020203" pitchFamily="34" charset="0"/>
-            </a:endParaRPr>
-          </a:p>
-          <a:p>
-            <a:pPr lvl="0"/>
-            <a:r>
-              <a:rPr lang="en" dirty="0" smtClean="0">
-                <a:solidFill>
-                  <a:schemeClr val="bg1"/>
-                </a:solidFill>
-                <a:latin typeface="Segoe UI" panose="020B0502040204020203" pitchFamily="34" charset="0"/>
-                <a:cs typeface="Segoe UI" panose="020B0502040204020203" pitchFamily="34" charset="0"/>
-              </a:rPr>
-              <a:t>Responsible for</a:t>
-            </a:r>
-          </a:p>
-          <a:p>
-            <a:pPr lvl="0"/>
-            <a:endParaRPr lang="en" dirty="0">
-              <a:solidFill>
-                <a:schemeClr val="bg1"/>
-              </a:solidFill>
-              <a:latin typeface="Segoe UI" panose="020B0502040204020203" pitchFamily="34" charset="0"/>
-              <a:cs typeface="Segoe UI" panose="020B0502040204020203" pitchFamily="34" charset="0"/>
-            </a:endParaRPr>
-          </a:p>
-          <a:p>
-            <a:pPr lvl="1" indent="-311150">
-              <a:spcBef>
-                <a:spcPts val="0"/>
-              </a:spcBef>
-              <a:buSzPts val="1300"/>
-              <a:buChar char="●"/>
-            </a:pPr>
-            <a:r>
-              <a:rPr lang="en" dirty="0" smtClean="0">
-                <a:solidFill>
-                  <a:schemeClr val="bg1"/>
-                </a:solidFill>
-                <a:latin typeface="Segoe UI" panose="020B0502040204020203" pitchFamily="34" charset="0"/>
-                <a:cs typeface="Segoe UI" panose="020B0502040204020203" pitchFamily="34" charset="0"/>
-              </a:rPr>
-              <a:t>page layout</a:t>
-            </a:r>
-            <a:endParaRPr lang="en-GB" dirty="0" smtClean="0">
-              <a:solidFill>
-                <a:schemeClr val="bg1"/>
-              </a:solidFill>
-              <a:latin typeface="Segoe UI" panose="020B0502040204020203" pitchFamily="34" charset="0"/>
-              <a:cs typeface="Segoe UI" panose="020B0502040204020203" pitchFamily="34" charset="0"/>
-            </a:endParaRPr>
-          </a:p>
-          <a:p>
-            <a:pPr lvl="1" indent="-311150">
-              <a:spcBef>
-                <a:spcPts val="0"/>
-              </a:spcBef>
-              <a:buSzPts val="1300"/>
-              <a:buChar char="●"/>
-            </a:pPr>
-            <a:r>
-              <a:rPr lang="en" dirty="0" smtClean="0">
-                <a:solidFill>
-                  <a:schemeClr val="bg1"/>
-                </a:solidFill>
-                <a:latin typeface="Segoe UI" panose="020B0502040204020203" pitchFamily="34" charset="0"/>
-                <a:cs typeface="Segoe UI" panose="020B0502040204020203" pitchFamily="34" charset="0"/>
-              </a:rPr>
-              <a:t>content to read, pictures to view</a:t>
-            </a:r>
-          </a:p>
-          <a:p>
-            <a:pPr lvl="1" indent="-311150">
-              <a:spcBef>
-                <a:spcPts val="0"/>
-              </a:spcBef>
-              <a:buSzPts val="1300"/>
-              <a:buChar char="●"/>
-            </a:pPr>
-            <a:r>
-              <a:rPr lang="en" dirty="0" smtClean="0">
-                <a:solidFill>
-                  <a:schemeClr val="bg1"/>
-                </a:solidFill>
-                <a:latin typeface="Segoe UI" panose="020B0502040204020203" pitchFamily="34" charset="0"/>
-                <a:cs typeface="Segoe UI" panose="020B0502040204020203" pitchFamily="34" charset="0"/>
-              </a:rPr>
-              <a:t>input elements for functionality</a:t>
-            </a:r>
-          </a:p>
-          <a:p>
-            <a:pPr lvl="1" indent="-311150">
-              <a:spcBef>
-                <a:spcPts val="0"/>
-              </a:spcBef>
-              <a:buSzPts val="1300"/>
-              <a:buChar char="●"/>
-            </a:pPr>
-            <a:r>
-              <a:rPr lang="en-GB" dirty="0" smtClean="0">
-                <a:solidFill>
-                  <a:schemeClr val="bg1"/>
-                </a:solidFill>
-                <a:latin typeface="Segoe UI" panose="020B0502040204020203" pitchFamily="34" charset="0"/>
-                <a:cs typeface="Segoe UI" panose="020B0502040204020203" pitchFamily="34" charset="0"/>
-              </a:rPr>
-              <a:t>adding </a:t>
-            </a:r>
-            <a:r>
-              <a:rPr lang="en" dirty="0" smtClean="0">
-                <a:solidFill>
-                  <a:schemeClr val="bg1"/>
-                </a:solidFill>
-                <a:latin typeface="Segoe UI" panose="020B0502040204020203" pitchFamily="34" charset="0"/>
-                <a:cs typeface="Segoe UI" panose="020B0502040204020203" pitchFamily="34" charset="0"/>
-              </a:rPr>
-              <a:t>external links</a:t>
-            </a:r>
-            <a:endParaRPr lang="en" dirty="0" smtClean="0">
-              <a:solidFill>
-                <a:schemeClr val="bg1"/>
-              </a:solidFill>
-              <a:latin typeface="Segoe UI" panose="020B0502040204020203" pitchFamily="34" charset="0"/>
-              <a:cs typeface="Segoe UI" panose="020B0502040204020203" pitchFamily="34" charset="0"/>
-            </a:endParaRPr>
-          </a:p>
-        </p:txBody>
-      </p:sp>
     </p:spTree>
   </p:cSld>
   <p:clrMapOvr>
@@ -14602,7 +15271,7 @@
     </p:bg>
     <p:spTree>
       <p:nvGrpSpPr>
-        <p:cNvPr id="1" name="Shape 162"/>
+        <p:cNvPr id="1" name="Shape 156"/>
         <p:cNvGrpSpPr/>
         <p:nvPr/>
       </p:nvGrpSpPr>
@@ -14616,7 +15285,7 @@
       </p:grpSpPr>
       <p:sp>
         <p:nvSpPr>
-          <p:cNvPr id="163" name="Google Shape;163;p18"/>
+          <p:cNvPr id="157" name="Google Shape;157;p17"/>
           <p:cNvSpPr txBox="1">
             <a:spLocks noGrp="1"/>
           </p:cNvSpPr>
@@ -14652,7 +15321,7 @@
                 <a:latin typeface="Segoe UI" panose="020B0502040204020203" pitchFamily="34" charset="0"/>
                 <a:cs typeface="Segoe UI" panose="020B0502040204020203" pitchFamily="34" charset="0"/>
               </a:rPr>
-              <a:t>Back-end </a:t>
+              <a:t>Front-end </a:t>
             </a:r>
             <a:r>
               <a:rPr lang="en" dirty="0" smtClean="0">
@@ -14676,7 +15345,7 @@
       </p:sp>
       <p:sp>
         <p:nvSpPr>
-          <p:cNvPr id="164" name="Google Shape;164;p18"/>
+          <p:cNvPr id="158" name="Google Shape;158;p17"/>
           <p:cNvSpPr txBox="1">
             <a:spLocks noGrp="1"/>
           </p:cNvSpPr>
@@ -14685,6 +15354,10 @@
           </p:nvPr>
         </p:nvSpPr>
         <p:spPr>
+          <a:xfrm>
+            <a:off x="819150" y="1447800"/>
+            <a:ext cx="7505700" cy="2990925"/>
+          </a:xfrm>
           <a:prstGeom prst="rect">
             <a:avLst/>
           </a:prstGeom>
@@ -14695,100 +15368,7 @@
           </a:bodyPr>
           <a:lstStyle/>
           <a:p>
-            <a:pPr lvl="0" algn="just"/>
-            <a:r>
-              <a:rPr lang="en" dirty="0" smtClean="0">
-                <a:solidFill>
-                  <a:schemeClr val="bg1"/>
-                </a:solidFill>
-                <a:latin typeface="Segoe UI" panose="020B0502040204020203" pitchFamily="34" charset="0"/>
-                <a:cs typeface="Segoe UI" panose="020B0502040204020203" pitchFamily="34" charset="0"/>
-              </a:rPr>
-              <a:t>Three developers made the </a:t>
-            </a:r>
-            <a:r>
-              <a:rPr lang="en" dirty="0">
-                <a:solidFill>
-                  <a:schemeClr val="bg1"/>
-                </a:solidFill>
-                <a:latin typeface="Segoe UI" panose="020B0502040204020203" pitchFamily="34" charset="0"/>
-                <a:cs typeface="Segoe UI" panose="020B0502040204020203" pitchFamily="34" charset="0"/>
-              </a:rPr>
-              <a:t>back-end </a:t>
-            </a:r>
-            <a:r>
-              <a:rPr lang="en" dirty="0" smtClean="0">
-                <a:solidFill>
-                  <a:schemeClr val="bg1"/>
-                </a:solidFill>
-                <a:latin typeface="Segoe UI" panose="020B0502040204020203" pitchFamily="34" charset="0"/>
-                <a:cs typeface="Segoe UI" panose="020B0502040204020203" pitchFamily="34" charset="0"/>
-              </a:rPr>
-              <a:t>structure.</a:t>
-            </a:r>
-          </a:p>
-          <a:p>
-            <a:pPr marL="457200" lvl="0" indent="-311150" algn="just" rtl="0">
-              <a:spcBef>
-                <a:spcPts val="0"/>
-              </a:spcBef>
-              <a:spcAft>
-                <a:spcPts val="0"/>
-              </a:spcAft>
-              <a:buSzPts val="1300"/>
-              <a:buChar char="●"/>
-            </a:pPr>
-            <a:r>
-              <a:rPr lang="en" dirty="0" smtClean="0">
-                <a:solidFill>
-                  <a:schemeClr val="bg1"/>
-                </a:solidFill>
-                <a:latin typeface="Segoe UI" panose="020B0502040204020203" pitchFamily="34" charset="0"/>
-                <a:cs typeface="Segoe UI" panose="020B0502040204020203" pitchFamily="34" charset="0"/>
-              </a:rPr>
-              <a:t>The Spring </a:t>
-            </a:r>
-            <a:r>
-              <a:rPr lang="en" dirty="0">
-                <a:solidFill>
-                  <a:schemeClr val="bg1"/>
-                </a:solidFill>
-                <a:latin typeface="Segoe UI" panose="020B0502040204020203" pitchFamily="34" charset="0"/>
-                <a:cs typeface="Segoe UI" panose="020B0502040204020203" pitchFamily="34" charset="0"/>
-              </a:rPr>
-              <a:t>boot </a:t>
-            </a:r>
-            <a:r>
-              <a:rPr lang="en" dirty="0" smtClean="0">
-                <a:solidFill>
-                  <a:schemeClr val="bg1"/>
-                </a:solidFill>
-                <a:latin typeface="Segoe UI" panose="020B0502040204020203" pitchFamily="34" charset="0"/>
-                <a:cs typeface="Segoe UI" panose="020B0502040204020203" pitchFamily="34" charset="0"/>
-              </a:rPr>
-              <a:t>framework was </a:t>
-            </a:r>
-            <a:r>
-              <a:rPr lang="en" dirty="0">
-                <a:solidFill>
-                  <a:schemeClr val="bg1"/>
-                </a:solidFill>
-                <a:latin typeface="Segoe UI" panose="020B0502040204020203" pitchFamily="34" charset="0"/>
-                <a:cs typeface="Segoe UI" panose="020B0502040204020203" pitchFamily="34" charset="0"/>
-              </a:rPr>
-              <a:t>used to </a:t>
-            </a:r>
-            <a:r>
-              <a:rPr lang="en" dirty="0" smtClean="0">
-                <a:solidFill>
-                  <a:schemeClr val="bg1"/>
-                </a:solidFill>
-                <a:latin typeface="Segoe UI" panose="020B0502040204020203" pitchFamily="34" charset="0"/>
-                <a:cs typeface="Segoe UI" panose="020B0502040204020203" pitchFamily="34" charset="0"/>
-              </a:rPr>
-              <a:t>create the application.</a:t>
-            </a:r>
-            <a:endParaRPr dirty="0">
+            <a:endParaRPr lang="en" dirty="0" smtClean="0">
               <a:solidFill>
                 <a:schemeClr val="bg1"/>
               </a:solidFill>
@@ -14797,18 +15377,21 @@
             </a:endParaRPr>
           </a:p>
           <a:p>
-            <a:pPr marL="457200" lvl="0" indent="-311150" algn="just" rtl="0">
-              <a:spcBef>
-                <a:spcPts val="0"/>
-              </a:spcBef>
-              <a:spcAft>
-                <a:spcPts val="0"/>
-              </a:spcAft>
-              <a:buSzPts val="1300"/>
-              <a:buChar char="●"/>
+            <a:pPr marL="146050" lvl="0" indent="0">
+              <a:buNone/>
             </a:pPr>
-            <a:r>
-              <a:rPr lang="en" dirty="0" smtClean="0">
+            <a:endParaRPr lang="en-GB" dirty="0" smtClean="0">
+              <a:solidFill>
+                <a:schemeClr val="bg1"/>
+              </a:solidFill>
+              <a:latin typeface="Segoe UI" panose="020B0502040204020203" pitchFamily="34" charset="0"/>
+              <a:cs typeface="Segoe UI" panose="020B0502040204020203" pitchFamily="34" charset="0"/>
+            </a:endParaRPr>
+          </a:p>
+          <a:p>
+            <a:pPr lvl="0"/>
+            <a:r>
+              <a:rPr lang="en-GB" dirty="0">
                 <a:solidFill>
                   <a:schemeClr val="bg1"/>
                 </a:solidFill>
@@ -14818,34 +15401,64 @@
               <a:t>The </a:t>
             </a:r>
             <a:r>
-              <a:rPr lang="en" dirty="0">
+              <a:rPr lang="en-GB" dirty="0" smtClean="0">
                 <a:solidFill>
                   <a:schemeClr val="bg1"/>
                 </a:solidFill>
                 <a:latin typeface="Segoe UI" panose="020B0502040204020203" pitchFamily="34" charset="0"/>
                 <a:cs typeface="Segoe UI" panose="020B0502040204020203" pitchFamily="34" charset="0"/>
               </a:rPr>
-              <a:t>H2 Database Console </a:t>
-            </a:r>
-            <a:r>
-              <a:rPr lang="en" dirty="0" smtClean="0">
+              <a:t>high-level front </a:t>
+            </a:r>
+            <a:r>
+              <a:rPr lang="en-GB" dirty="0">
                 <a:solidFill>
                   <a:schemeClr val="bg1"/>
                 </a:solidFill>
                 <a:latin typeface="Segoe UI" panose="020B0502040204020203" pitchFamily="34" charset="0"/>
                 <a:cs typeface="Segoe UI" panose="020B0502040204020203" pitchFamily="34" charset="0"/>
               </a:rPr>
-              <a:t>was used </a:t>
-            </a:r>
-            <a:r>
-              <a:rPr lang="en" dirty="0">
+              <a:t>end was split between the two frontend </a:t>
+            </a:r>
+            <a:r>
+              <a:rPr lang="en-GB" dirty="0" smtClean="0">
                 <a:solidFill>
                   <a:schemeClr val="bg1"/>
                 </a:solidFill>
                 <a:latin typeface="Segoe UI" panose="020B0502040204020203" pitchFamily="34" charset="0"/>
                 <a:cs typeface="Segoe UI" panose="020B0502040204020203" pitchFamily="34" charset="0"/>
               </a:rPr>
-              <a:t>for storing the data</a:t>
+              <a:t>developers. </a:t>
+            </a:r>
+            <a:endParaRPr lang="en-GB" dirty="0" smtClean="0">
+              <a:solidFill>
+                <a:schemeClr val="bg1"/>
+              </a:solidFill>
+              <a:latin typeface="Segoe UI" panose="020B0502040204020203" pitchFamily="34" charset="0"/>
+              <a:cs typeface="Segoe UI" panose="020B0502040204020203" pitchFamily="34" charset="0"/>
+            </a:endParaRPr>
+          </a:p>
+          <a:p>
+            <a:pPr lvl="0"/>
+            <a:r>
+              <a:rPr lang="en" dirty="0" smtClean="0">
+                <a:solidFill>
+                  <a:schemeClr val="bg1"/>
+                </a:solidFill>
+                <a:latin typeface="Segoe UI" panose="020B0502040204020203" pitchFamily="34" charset="0"/>
+                <a:cs typeface="Segoe UI" panose="020B0502040204020203" pitchFamily="34" charset="0"/>
+              </a:rPr>
+              <a:t>Two </a:t>
+            </a:r>
+            <a:r>
+              <a:rPr lang="en" dirty="0">
+                <a:solidFill>
+                  <a:schemeClr val="bg1"/>
+                </a:solidFill>
+                <a:latin typeface="Segoe UI" panose="020B0502040204020203" pitchFamily="34" charset="0"/>
+                <a:cs typeface="Segoe UI" panose="020B0502040204020203" pitchFamily="34" charset="0"/>
+              </a:rPr>
+              <a:t>developers made the web pages with HTML, CSS, and JavaScript</a:t>
             </a:r>
             <a:r>
               <a:rPr lang="en" dirty="0" smtClean="0">
@@ -14857,41 +15470,39 @@
               </a:rPr>
               <a:t>.</a:t>
             </a:r>
-          </a:p>
-          <a:p>
-            <a:pPr marL="457200" lvl="0" indent="-311150" algn="just" rtl="0">
-              <a:spcBef>
-                <a:spcPts val="0"/>
-              </a:spcBef>
-              <a:spcAft>
-                <a:spcPts val="0"/>
-              </a:spcAft>
-              <a:buSzPts val="1300"/>
-              <a:buChar char="●"/>
-            </a:pPr>
-            <a:r>
-              <a:rPr lang="en-GB" dirty="0" smtClean="0">
+            <a:endParaRPr lang="en" dirty="0" smtClean="0">
+              <a:solidFill>
+                <a:schemeClr val="bg1"/>
+              </a:solidFill>
+              <a:latin typeface="Segoe UI" panose="020B0502040204020203" pitchFamily="34" charset="0"/>
+              <a:cs typeface="Segoe UI" panose="020B0502040204020203" pitchFamily="34" charset="0"/>
+            </a:endParaRPr>
+          </a:p>
+          <a:p>
+            <a:pPr lvl="0"/>
+            <a:r>
+              <a:rPr lang="en" dirty="0" smtClean="0">
                 <a:solidFill>
                   <a:schemeClr val="bg1"/>
                 </a:solidFill>
                 <a:latin typeface="Segoe UI" panose="020B0502040204020203" pitchFamily="34" charset="0"/>
                 <a:cs typeface="Segoe UI" panose="020B0502040204020203" pitchFamily="34" charset="0"/>
               </a:rPr>
-              <a:t>D</a:t>
-            </a:r>
-            <a:r>
-              <a:rPr lang="en" dirty="0" smtClean="0">
-                <a:solidFill>
-                  <a:schemeClr val="bg1"/>
-                </a:solidFill>
-                <a:latin typeface="Segoe UI" panose="020B0502040204020203" pitchFamily="34" charset="0"/>
-                <a:cs typeface="Segoe UI" panose="020B0502040204020203" pitchFamily="34" charset="0"/>
-              </a:rPr>
-              <a:t>atabases were made for </a:t>
-            </a:r>
-          </a:p>
-          <a:p>
-            <a:pPr lvl="1" indent="-311150" algn="just">
+              <a:t>Responsible for</a:t>
+            </a:r>
+          </a:p>
+          <a:p>
+            <a:pPr lvl="0"/>
+            <a:endParaRPr lang="en" dirty="0">
+              <a:solidFill>
+                <a:schemeClr val="bg1"/>
+              </a:solidFill>
+              <a:latin typeface="Segoe UI" panose="020B0502040204020203" pitchFamily="34" charset="0"/>
+              <a:cs typeface="Segoe UI" panose="020B0502040204020203" pitchFamily="34" charset="0"/>
+            </a:endParaRPr>
+          </a:p>
+          <a:p>
+            <a:pPr lvl="1" indent="-311150">
               <a:spcBef>
                 <a:spcPts val="0"/>
               </a:spcBef>
@@ -14906,11 +15517,18 @@
                 <a:latin typeface="Segoe UI" panose="020B0502040204020203" pitchFamily="34" charset="0"/>
                 <a:cs typeface="Segoe UI" panose="020B0502040204020203" pitchFamily="34" charset="0"/>
               </a:rPr>
-              <a:t>user data</a:t>
-            </a:r>
-          </a:p>
-          <a:p>
-            <a:pPr lvl="1" indent="-311150" algn="just">
+              <a:t>page layout</a:t>
+            </a:r>
+            <a:endParaRPr lang="en-GB" dirty="0" smtClean="0">
+              <a:solidFill>
+                <a:schemeClr val="bg1"/>
+              </a:solidFill>
+              <a:latin typeface="Segoe UI" panose="020B0502040204020203" pitchFamily="34" charset="0"/>
+              <a:cs typeface="Segoe UI" panose="020B0502040204020203" pitchFamily="34" charset="0"/>
+            </a:endParaRPr>
+          </a:p>
+          <a:p>
+            <a:pPr lvl="1" indent="-311150">
               <a:spcBef>
                 <a:spcPts val="0"/>
               </a:spcBef>
@@ -14925,11 +15543,17 @@
                 <a:latin typeface="Segoe UI" panose="020B0502040204020203" pitchFamily="34" charset="0"/>
                 <a:cs typeface="Segoe UI" panose="020B0502040204020203" pitchFamily="34" charset="0"/>
               </a:rPr>
-              <a:t>booking data.</a:t>
-            </a:r>
-          </a:p>
-          <a:p>
-            <a:pPr lvl="0" algn="just"/>
+              <a:t>content to read, pictures to view</a:t>
+            </a:r>
+          </a:p>
+          <a:p>
+            <a:pPr lvl="1" indent="-311150">
+              <a:spcBef>
+                <a:spcPts val="0"/>
+              </a:spcBef>
+              <a:buSzPts val="1300"/>
+              <a:buChar char="●"/>
+            </a:pPr>
             <a:r>
               <a:rPr lang="en" dirty="0" smtClean="0">
                 <a:solidFill>
@@ -14938,17 +15562,26 @@
                 <a:latin typeface="Segoe UI" panose="020B0502040204020203" pitchFamily="34" charset="0"/>
                 <a:cs typeface="Segoe UI" panose="020B0502040204020203" pitchFamily="34" charset="0"/>
               </a:rPr>
-              <a:t>The API servers</a:t>
-            </a:r>
-            <a:r>
-              <a:rPr lang="en" dirty="0">
+              <a:t>input elements for functionality</a:t>
+            </a:r>
+          </a:p>
+          <a:p>
+            <a:pPr lvl="1" indent="-311150">
+              <a:spcBef>
+                <a:spcPts val="0"/>
+              </a:spcBef>
+              <a:buSzPts val="1300"/>
+              <a:buChar char="●"/>
+            </a:pPr>
+            <a:r>
+              <a:rPr lang="en-GB" dirty="0" smtClean="0">
                 <a:solidFill>
                   <a:schemeClr val="bg1"/>
                 </a:solidFill>
                 <a:latin typeface="Segoe UI" panose="020B0502040204020203" pitchFamily="34" charset="0"/>
                 <a:cs typeface="Segoe UI" panose="020B0502040204020203" pitchFamily="34" charset="0"/>
               </a:rPr>
-              <a:t> </a:t>
+              <a:t>adding </a:t>
             </a:r>
             <a:r>
               <a:rPr lang="en" dirty="0" smtClean="0">
@@ -14958,20 +15591,7 @@
                 <a:latin typeface="Segoe UI" panose="020B0502040204020203" pitchFamily="34" charset="0"/>
                 <a:cs typeface="Segoe UI" panose="020B0502040204020203" pitchFamily="34" charset="0"/>
               </a:rPr>
-              <a:t>were tested using postman</a:t>
-            </a:r>
-          </a:p>
-          <a:p>
-            <a:pPr lvl="0" algn="just"/>
-            <a:r>
-              <a:rPr lang="en" dirty="0" smtClean="0">
-                <a:solidFill>
-                  <a:schemeClr val="bg1"/>
-                </a:solidFill>
-                <a:latin typeface="Segoe UI" panose="020B0502040204020203" pitchFamily="34" charset="0"/>
-                <a:cs typeface="Segoe UI" panose="020B0502040204020203" pitchFamily="34" charset="0"/>
-              </a:rPr>
-              <a:t>A seperate API was made to pull data from a movie API and send it to the front end.</a:t>
+              <a:t>external links</a:t>
             </a:r>
           </a:p>
         </p:txBody>
@@ -15004,7 +15624,7 @@
     </p:bg>
     <p:spTree>
       <p:nvGrpSpPr>
-        <p:cNvPr id="1" name="Shape 168"/>
+        <p:cNvPr id="1" name="Shape 162"/>
         <p:cNvGrpSpPr/>
         <p:nvPr/>
       </p:nvGrpSpPr>
@@ -15018,7 +15638,7 @@
       </p:grpSpPr>
       <p:sp>
         <p:nvSpPr>
-          <p:cNvPr id="169" name="Google Shape;169;p19"/>
+          <p:cNvPr id="163" name="Google Shape;163;p18"/>
           <p:cNvSpPr txBox="1">
             <a:spLocks noGrp="1"/>
           </p:cNvSpPr>
@@ -15047,14 +15667,24 @@
               <a:buNone/>
             </a:pPr>
             <a:r>
-              <a:rPr lang="en" dirty="0" smtClean="0">
+              <a:rPr lang="en" dirty="0">
                 <a:solidFill>
                   <a:schemeClr val="bg1"/>
                 </a:solidFill>
                 <a:latin typeface="Segoe UI" panose="020B0502040204020203" pitchFamily="34" charset="0"/>
                 <a:cs typeface="Segoe UI" panose="020B0502040204020203" pitchFamily="34" charset="0"/>
               </a:rPr>
-              <a:t>Integration</a:t>
+              <a:t>Back-end </a:t>
+            </a:r>
+            <a:r>
+              <a:rPr lang="en" dirty="0" smtClean="0">
+                <a:solidFill>
+                  <a:schemeClr val="bg1"/>
+                </a:solidFill>
+                <a:latin typeface="Segoe UI" panose="020B0502040204020203" pitchFamily="34" charset="0"/>
+                <a:cs typeface="Segoe UI" panose="020B0502040204020203" pitchFamily="34" charset="0"/>
+              </a:rPr>
+              <a:t>development</a:t>
             </a:r>
             <a:endParaRPr dirty="0">
               <a:solidFill>
@@ -15068,7 +15698,7 @@
       </p:sp>
       <p:sp>
         <p:nvSpPr>
-          <p:cNvPr id="170" name="Google Shape;170;p19"/>
+          <p:cNvPr id="164" name="Google Shape;164;p18"/>
           <p:cNvSpPr txBox="1">
             <a:spLocks noGrp="1"/>
           </p:cNvSpPr>
@@ -15087,119 +15717,100 @@
           </a:bodyPr>
           <a:lstStyle/>
           <a:p>
-            <a:r>
-              <a:rPr lang="en-GB" dirty="0">
+            <a:pPr lvl="0" algn="just"/>
+            <a:r>
+              <a:rPr lang="en" dirty="0" smtClean="0">
                 <a:solidFill>
                   <a:schemeClr val="bg1"/>
                 </a:solidFill>
                 <a:latin typeface="Segoe UI" panose="020B0502040204020203" pitchFamily="34" charset="0"/>
                 <a:cs typeface="Segoe UI" panose="020B0502040204020203" pitchFamily="34" charset="0"/>
               </a:rPr>
-              <a:t>F</a:t>
-            </a:r>
-            <a:r>
-              <a:rPr lang="en-GB" dirty="0" smtClean="0">
+              <a:t>Three developers made the </a:t>
+            </a:r>
+            <a:r>
+              <a:rPr lang="en" dirty="0">
                 <a:solidFill>
                   <a:schemeClr val="bg1"/>
                 </a:solidFill>
                 <a:latin typeface="Segoe UI" panose="020B0502040204020203" pitchFamily="34" charset="0"/>
                 <a:cs typeface="Segoe UI" panose="020B0502040204020203" pitchFamily="34" charset="0"/>
               </a:rPr>
-              <a:t>ront-end code was </a:t>
-            </a:r>
-            <a:r>
-              <a:rPr lang="en-GB" dirty="0" smtClean="0">
+              <a:t>back-end </a:t>
+            </a:r>
+            <a:r>
+              <a:rPr lang="en" dirty="0" smtClean="0">
                 <a:solidFill>
                   <a:schemeClr val="bg1"/>
                 </a:solidFill>
                 <a:latin typeface="Segoe UI" panose="020B0502040204020203" pitchFamily="34" charset="0"/>
                 <a:cs typeface="Segoe UI" panose="020B0502040204020203" pitchFamily="34" charset="0"/>
               </a:rPr>
-              <a:t>built </a:t>
-            </a:r>
-            <a:r>
-              <a:rPr lang="en-GB" dirty="0">
+              <a:t>structure.</a:t>
+            </a:r>
+          </a:p>
+          <a:p>
+            <a:pPr marL="457200" lvl="0" indent="-311150" algn="just" rtl="0">
+              <a:spcBef>
+                <a:spcPts val="0"/>
+              </a:spcBef>
+              <a:spcAft>
+                <a:spcPts val="0"/>
+              </a:spcAft>
+              <a:buSzPts val="1300"/>
+              <a:buChar char="●"/>
+            </a:pPr>
+            <a:r>
+              <a:rPr lang="en" dirty="0" smtClean="0">
                 <a:solidFill>
                   <a:schemeClr val="bg1"/>
                 </a:solidFill>
                 <a:latin typeface="Segoe UI" panose="020B0502040204020203" pitchFamily="34" charset="0"/>
                 <a:cs typeface="Segoe UI" panose="020B0502040204020203" pitchFamily="34" charset="0"/>
               </a:rPr>
-              <a:t>into a </a:t>
-            </a:r>
-            <a:r>
-              <a:rPr lang="en-GB" dirty="0" err="1" smtClean="0">
+              <a:t>The Spring </a:t>
+            </a:r>
+            <a:r>
+              <a:rPr lang="en" dirty="0">
                 <a:solidFill>
                   <a:schemeClr val="bg1"/>
                 </a:solidFill>
                 <a:latin typeface="Segoe UI" panose="020B0502040204020203" pitchFamily="34" charset="0"/>
                 <a:cs typeface="Segoe UI" panose="020B0502040204020203" pitchFamily="34" charset="0"/>
               </a:rPr>
-              <a:t>vue</a:t>
-            </a:r>
-            <a:r>
-              <a:rPr lang="en-GB" dirty="0">
+              <a:t>boot </a:t>
+            </a:r>
+            <a:r>
+              <a:rPr lang="en" dirty="0" smtClean="0">
                 <a:solidFill>
                   <a:schemeClr val="bg1"/>
                 </a:solidFill>
                 <a:latin typeface="Segoe UI" panose="020B0502040204020203" pitchFamily="34" charset="0"/>
                 <a:cs typeface="Segoe UI" panose="020B0502040204020203" pitchFamily="34" charset="0"/>
               </a:rPr>
-              <a:t> </a:t>
-            </a:r>
-            <a:r>
-              <a:rPr lang="en-GB" dirty="0" err="1" smtClean="0">
+              <a:t>framework was </a:t>
+            </a:r>
+            <a:r>
+              <a:rPr lang="en" dirty="0">
                 <a:solidFill>
                   <a:schemeClr val="bg1"/>
                 </a:solidFill>
                 <a:latin typeface="Segoe UI" panose="020B0502040204020203" pitchFamily="34" charset="0"/>
                 <a:cs typeface="Segoe UI" panose="020B0502040204020203" pitchFamily="34" charset="0"/>
               </a:rPr>
-              <a:t>js</a:t>
-            </a:r>
-            <a:r>
-              <a:rPr lang="en-GB" dirty="0" smtClean="0">
+              <a:t>used to </a:t>
+            </a:r>
+            <a:r>
+              <a:rPr lang="en" dirty="0" smtClean="0">
                 <a:solidFill>
                   <a:schemeClr val="bg1"/>
                 </a:solidFill>
                 <a:latin typeface="Segoe UI" panose="020B0502040204020203" pitchFamily="34" charset="0"/>
                 <a:cs typeface="Segoe UI" panose="020B0502040204020203" pitchFamily="34" charset="0"/>
               </a:rPr>
-              <a:t> project</a:t>
-            </a:r>
-            <a:r>
-              <a:rPr lang="en-GB" dirty="0" smtClean="0">
-                <a:solidFill>
-                  <a:schemeClr val="bg1"/>
-                </a:solidFill>
-                <a:latin typeface="Segoe UI" panose="020B0502040204020203" pitchFamily="34" charset="0"/>
-                <a:cs typeface="Segoe UI" panose="020B0502040204020203" pitchFamily="34" charset="0"/>
-              </a:rPr>
-              <a:t>.</a:t>
-            </a:r>
-          </a:p>
-          <a:p>
-            <a:r>
-              <a:rPr lang="en-GB" dirty="0" err="1" smtClean="0">
-                <a:solidFill>
-                  <a:schemeClr val="bg1"/>
-                </a:solidFill>
-                <a:latin typeface="Segoe UI" panose="020B0502040204020203" pitchFamily="34" charset="0"/>
-                <a:cs typeface="Segoe UI" panose="020B0502040204020203" pitchFamily="34" charset="0"/>
-              </a:rPr>
-              <a:t>Vue</a:t>
-            </a:r>
-            <a:r>
-              <a:rPr lang="en-GB" dirty="0" smtClean="0">
-                <a:solidFill>
-                  <a:schemeClr val="bg1"/>
-                </a:solidFill>
-                <a:latin typeface="Segoe UI" panose="020B0502040204020203" pitchFamily="34" charset="0"/>
-                <a:cs typeface="Segoe UI" panose="020B0502040204020203" pitchFamily="34" charset="0"/>
-              </a:rPr>
-              <a:t> project was connected to the back end.</a:t>
-            </a:r>
-            <a:endParaRPr lang="en-GB" dirty="0" smtClean="0">
+              <a:t>create the application.</a:t>
+            </a:r>
+            <a:endParaRPr dirty="0">
               <a:solidFill>
                 <a:schemeClr val="bg1"/>
               </a:solidFill>
@@ -15208,29 +15819,58 @@
             </a:endParaRPr>
           </a:p>
           <a:p>
-            <a:pPr lvl="0"/>
-            <a:r>
-              <a:rPr lang="en-GB" dirty="0" smtClean="0">
+            <a:pPr marL="457200" lvl="0" indent="-311150" algn="just" rtl="0">
+              <a:spcBef>
+                <a:spcPts val="0"/>
+              </a:spcBef>
+              <a:spcAft>
+                <a:spcPts val="0"/>
+              </a:spcAft>
+              <a:buSzPts val="1300"/>
+              <a:buChar char="●"/>
+            </a:pPr>
+            <a:r>
+              <a:rPr lang="en" dirty="0" smtClean="0">
                 <a:solidFill>
                   <a:schemeClr val="bg1"/>
                 </a:solidFill>
                 <a:latin typeface="Segoe UI" panose="020B0502040204020203" pitchFamily="34" charset="0"/>
                 <a:cs typeface="Segoe UI" panose="020B0502040204020203" pitchFamily="34" charset="0"/>
               </a:rPr>
-              <a:t>Localhost ports </a:t>
-            </a:r>
-            <a:r>
-              <a:rPr lang="en-GB" dirty="0">
+              <a:t>The </a:t>
+            </a:r>
+            <a:r>
+              <a:rPr lang="en" dirty="0">
                 <a:solidFill>
                   <a:schemeClr val="bg1"/>
                 </a:solidFill>
                 <a:latin typeface="Segoe UI" panose="020B0502040204020203" pitchFamily="34" charset="0"/>
                 <a:cs typeface="Segoe UI" panose="020B0502040204020203" pitchFamily="34" charset="0"/>
               </a:rPr>
-              <a:t>were 8080 for the back-end and 8081 for the front end</a:t>
-            </a:r>
-            <a:r>
-              <a:rPr lang="en-GB" dirty="0" smtClean="0">
+              <a:t>H2 Database Console </a:t>
+            </a:r>
+            <a:r>
+              <a:rPr lang="en" dirty="0" smtClean="0">
+                <a:solidFill>
+                  <a:schemeClr val="bg1"/>
+                </a:solidFill>
+                <a:latin typeface="Segoe UI" panose="020B0502040204020203" pitchFamily="34" charset="0"/>
+                <a:cs typeface="Segoe UI" panose="020B0502040204020203" pitchFamily="34" charset="0"/>
+              </a:rPr>
+              <a:t>was used </a:t>
+            </a:r>
+            <a:r>
+              <a:rPr lang="en" dirty="0">
+                <a:solidFill>
+                  <a:schemeClr val="bg1"/>
+                </a:solidFill>
+                <a:latin typeface="Segoe UI" panose="020B0502040204020203" pitchFamily="34" charset="0"/>
+                <a:cs typeface="Segoe UI" panose="020B0502040204020203" pitchFamily="34" charset="0"/>
+              </a:rPr>
+              <a:t>for storing the data</a:t>
+            </a:r>
+            <a:r>
+              <a:rPr lang="en" dirty="0" smtClean="0">
                 <a:solidFill>
                   <a:schemeClr val="bg1"/>
                 </a:solidFill>
@@ -15239,13 +15879,122 @@
               </a:rPr>
               <a:t>.</a:t>
             </a:r>
-            <a:endParaRPr lang="en-GB" dirty="0">
-              <a:solidFill>
-                <a:schemeClr val="bg1"/>
-              </a:solidFill>
-              <a:latin typeface="Segoe UI" panose="020B0502040204020203" pitchFamily="34" charset="0"/>
-              <a:cs typeface="Segoe UI" panose="020B0502040204020203" pitchFamily="34" charset="0"/>
-            </a:endParaRPr>
+          </a:p>
+          <a:p>
+            <a:pPr marL="457200" lvl="0" indent="-311150" algn="just" rtl="0">
+              <a:spcBef>
+                <a:spcPts val="0"/>
+              </a:spcBef>
+              <a:spcAft>
+                <a:spcPts val="0"/>
+              </a:spcAft>
+              <a:buSzPts val="1300"/>
+              <a:buChar char="●"/>
+            </a:pPr>
+            <a:r>
+              <a:rPr lang="en-GB" dirty="0" smtClean="0">
+                <a:solidFill>
+                  <a:schemeClr val="bg1"/>
+                </a:solidFill>
+                <a:latin typeface="Segoe UI" panose="020B0502040204020203" pitchFamily="34" charset="0"/>
+                <a:cs typeface="Segoe UI" panose="020B0502040204020203" pitchFamily="34" charset="0"/>
+              </a:rPr>
+              <a:t>D</a:t>
+            </a:r>
+            <a:r>
+              <a:rPr lang="en" dirty="0" smtClean="0">
+                <a:solidFill>
+                  <a:schemeClr val="bg1"/>
+                </a:solidFill>
+                <a:latin typeface="Segoe UI" panose="020B0502040204020203" pitchFamily="34" charset="0"/>
+                <a:cs typeface="Segoe UI" panose="020B0502040204020203" pitchFamily="34" charset="0"/>
+              </a:rPr>
+              <a:t>atabases were made for </a:t>
+            </a:r>
+          </a:p>
+          <a:p>
+            <a:pPr lvl="1" indent="-311150" algn="just">
+              <a:spcBef>
+                <a:spcPts val="0"/>
+              </a:spcBef>
+              <a:buSzPts val="1300"/>
+              <a:buChar char="●"/>
+            </a:pPr>
+            <a:r>
+              <a:rPr lang="en" dirty="0" smtClean="0">
+                <a:solidFill>
+                  <a:schemeClr val="bg1"/>
+                </a:solidFill>
+                <a:latin typeface="Segoe UI" panose="020B0502040204020203" pitchFamily="34" charset="0"/>
+                <a:cs typeface="Segoe UI" panose="020B0502040204020203" pitchFamily="34" charset="0"/>
+              </a:rPr>
+              <a:t>user data</a:t>
+            </a:r>
+          </a:p>
+          <a:p>
+            <a:pPr lvl="1" indent="-311150" algn="just">
+              <a:spcBef>
+                <a:spcPts val="0"/>
+              </a:spcBef>
+              <a:buSzPts val="1300"/>
+              <a:buChar char="●"/>
+            </a:pPr>
+            <a:r>
+              <a:rPr lang="en" dirty="0" smtClean="0">
+                <a:solidFill>
+                  <a:schemeClr val="bg1"/>
+                </a:solidFill>
+                <a:latin typeface="Segoe UI" panose="020B0502040204020203" pitchFamily="34" charset="0"/>
+                <a:cs typeface="Segoe UI" panose="020B0502040204020203" pitchFamily="34" charset="0"/>
+              </a:rPr>
+              <a:t>booking data.</a:t>
+            </a:r>
+          </a:p>
+          <a:p>
+            <a:pPr lvl="0" algn="just"/>
+            <a:r>
+              <a:rPr lang="en" dirty="0" smtClean="0">
+                <a:solidFill>
+                  <a:schemeClr val="bg1"/>
+                </a:solidFill>
+                <a:latin typeface="Segoe UI" panose="020B0502040204020203" pitchFamily="34" charset="0"/>
+                <a:cs typeface="Segoe UI" panose="020B0502040204020203" pitchFamily="34" charset="0"/>
+              </a:rPr>
+              <a:t>The API servers</a:t>
+            </a:r>
+            <a:r>
+              <a:rPr lang="en" dirty="0">
+                <a:solidFill>
+                  <a:schemeClr val="bg1"/>
+                </a:solidFill>
+                <a:latin typeface="Segoe UI" panose="020B0502040204020203" pitchFamily="34" charset="0"/>
+                <a:cs typeface="Segoe UI" panose="020B0502040204020203" pitchFamily="34" charset="0"/>
+              </a:rPr>
+              <a:t> </a:t>
+            </a:r>
+            <a:r>
+              <a:rPr lang="en" dirty="0" smtClean="0">
+                <a:solidFill>
+                  <a:schemeClr val="bg1"/>
+                </a:solidFill>
+                <a:latin typeface="Segoe UI" panose="020B0502040204020203" pitchFamily="34" charset="0"/>
+                <a:cs typeface="Segoe UI" panose="020B0502040204020203" pitchFamily="34" charset="0"/>
+              </a:rPr>
+              <a:t>were tested using postman</a:t>
+            </a:r>
+          </a:p>
+          <a:p>
+            <a:pPr lvl="0" algn="just"/>
+            <a:r>
+              <a:rPr lang="en" dirty="0" smtClean="0">
+                <a:solidFill>
+                  <a:schemeClr val="bg1"/>
+                </a:solidFill>
+                <a:latin typeface="Segoe UI" panose="020B0502040204020203" pitchFamily="34" charset="0"/>
+                <a:cs typeface="Segoe UI" panose="020B0502040204020203" pitchFamily="34" charset="0"/>
+              </a:rPr>
+              <a:t>A seperate API was made to pull data from a movie API and send it to the front end.</a:t>
+            </a:r>
           </a:p>
         </p:txBody>
       </p:sp>
@@ -15320,24 +16069,14 @@
               <a:buNone/>
             </a:pPr>
             <a:r>
-              <a:rPr lang="en-GB" dirty="0" smtClean="0">
+              <a:rPr lang="en" dirty="0" smtClean="0">
                 <a:solidFill>
                   <a:schemeClr val="bg1"/>
                 </a:solidFill>
                 <a:latin typeface="Segoe UI" panose="020B0502040204020203" pitchFamily="34" charset="0"/>
                 <a:cs typeface="Segoe UI" panose="020B0502040204020203" pitchFamily="34" charset="0"/>
               </a:rPr>
-              <a:t>P</a:t>
-            </a:r>
-            <a:r>
-              <a:rPr lang="en" dirty="0" smtClean="0">
-                <a:solidFill>
-                  <a:schemeClr val="bg1"/>
-                </a:solidFill>
-                <a:latin typeface="Segoe UI" panose="020B0502040204020203" pitchFamily="34" charset="0"/>
-                <a:cs typeface="Segoe UI" panose="020B0502040204020203" pitchFamily="34" charset="0"/>
-              </a:rPr>
-              <a:t>rogress</a:t>
+              <a:t>Integration</a:t>
             </a:r>
             <a:endParaRPr dirty="0">
               <a:solidFill>
@@ -15370,60 +16109,132 @@
           </a:bodyPr>
           <a:lstStyle/>
           <a:p>
-            <a:pPr lvl="0"/>
-            <a:r>
-              <a:rPr lang="en-GB" dirty="0" smtClean="0">
+            <a:r>
+              <a:rPr lang="en-GB" dirty="0">
                 <a:solidFill>
                   <a:schemeClr val="bg1"/>
                 </a:solidFill>
                 <a:latin typeface="Segoe UI" panose="020B0502040204020203" pitchFamily="34" charset="0"/>
                 <a:cs typeface="Segoe UI" panose="020B0502040204020203" pitchFamily="34" charset="0"/>
               </a:rPr>
-              <a:t>Initial </a:t>
-            </a:r>
-            <a:r>
-              <a:rPr lang="en" dirty="0" smtClean="0">
+              <a:t>F</a:t>
+            </a:r>
+            <a:r>
+              <a:rPr lang="en-GB" dirty="0" smtClean="0">
                 <a:solidFill>
                   <a:schemeClr val="bg1"/>
                 </a:solidFill>
                 <a:latin typeface="Segoe UI" panose="020B0502040204020203" pitchFamily="34" charset="0"/>
                 <a:cs typeface="Segoe UI" panose="020B0502040204020203" pitchFamily="34" charset="0"/>
               </a:rPr>
-              <a:t>front and back end tasks completed quickly.</a:t>
-            </a:r>
-          </a:p>
-          <a:p>
-            <a:pPr marL="457200" lvl="0" indent="-311150" rtl="0">
-              <a:spcBef>
-                <a:spcPts val="0"/>
-              </a:spcBef>
-              <a:spcAft>
-                <a:spcPts val="0"/>
-              </a:spcAft>
-              <a:buSzPts val="1300"/>
-              <a:buChar char="●"/>
-            </a:pPr>
-            <a:r>
-              <a:rPr lang="en" dirty="0" smtClean="0">
+              <a:t>ront-end code was built </a:t>
+            </a:r>
+            <a:r>
+              <a:rPr lang="en-GB" dirty="0">
                 <a:solidFill>
                   <a:schemeClr val="bg1"/>
                 </a:solidFill>
                 <a:latin typeface="Segoe UI" panose="020B0502040204020203" pitchFamily="34" charset="0"/>
                 <a:cs typeface="Segoe UI" panose="020B0502040204020203" pitchFamily="34" charset="0"/>
               </a:rPr>
-              <a:t>Linking together took time</a:t>
-            </a:r>
-            <a:r>
-              <a:rPr lang="en" dirty="0">
+              <a:t>into a </a:t>
+            </a:r>
+            <a:r>
+              <a:rPr lang="en-GB" dirty="0" err="1" smtClean="0">
                 <a:solidFill>
                   <a:schemeClr val="bg1"/>
                 </a:solidFill>
                 <a:latin typeface="Segoe UI" panose="020B0502040204020203" pitchFamily="34" charset="0"/>
                 <a:cs typeface="Segoe UI" panose="020B0502040204020203" pitchFamily="34" charset="0"/>
               </a:rPr>
-              <a:t>:</a:t>
-            </a:r>
-            <a:endParaRPr lang="en" dirty="0" smtClean="0">
+              <a:t>vue</a:t>
+            </a:r>
+            <a:r>
+              <a:rPr lang="en-GB" dirty="0">
+                <a:solidFill>
+                  <a:schemeClr val="bg1"/>
+                </a:solidFill>
+                <a:latin typeface="Segoe UI" panose="020B0502040204020203" pitchFamily="34" charset="0"/>
+                <a:cs typeface="Segoe UI" panose="020B0502040204020203" pitchFamily="34" charset="0"/>
+              </a:rPr>
+              <a:t> </a:t>
+            </a:r>
+            <a:r>
+              <a:rPr lang="en-GB" dirty="0" err="1" smtClean="0">
+                <a:solidFill>
+                  <a:schemeClr val="bg1"/>
+                </a:solidFill>
+                <a:latin typeface="Segoe UI" panose="020B0502040204020203" pitchFamily="34" charset="0"/>
+                <a:cs typeface="Segoe UI" panose="020B0502040204020203" pitchFamily="34" charset="0"/>
+              </a:rPr>
+              <a:t>js</a:t>
+            </a:r>
+            <a:r>
+              <a:rPr lang="en-GB" dirty="0" smtClean="0">
+                <a:solidFill>
+                  <a:schemeClr val="bg1"/>
+                </a:solidFill>
+                <a:latin typeface="Segoe UI" panose="020B0502040204020203" pitchFamily="34" charset="0"/>
+                <a:cs typeface="Segoe UI" panose="020B0502040204020203" pitchFamily="34" charset="0"/>
+              </a:rPr>
+              <a:t> project.</a:t>
+            </a:r>
+          </a:p>
+          <a:p>
+            <a:r>
+              <a:rPr lang="en-GB" dirty="0" err="1" smtClean="0">
+                <a:solidFill>
+                  <a:schemeClr val="bg1"/>
+                </a:solidFill>
+                <a:latin typeface="Segoe UI" panose="020B0502040204020203" pitchFamily="34" charset="0"/>
+                <a:cs typeface="Segoe UI" panose="020B0502040204020203" pitchFamily="34" charset="0"/>
+              </a:rPr>
+              <a:t>Vue</a:t>
+            </a:r>
+            <a:r>
+              <a:rPr lang="en-GB" dirty="0" smtClean="0">
+                <a:solidFill>
+                  <a:schemeClr val="bg1"/>
+                </a:solidFill>
+                <a:latin typeface="Segoe UI" panose="020B0502040204020203" pitchFamily="34" charset="0"/>
+                <a:cs typeface="Segoe UI" panose="020B0502040204020203" pitchFamily="34" charset="0"/>
+              </a:rPr>
+              <a:t> project was connected to the back end.</a:t>
+            </a:r>
+          </a:p>
+          <a:p>
+            <a:pPr lvl="0"/>
+            <a:r>
+              <a:rPr lang="en-GB" dirty="0" smtClean="0">
+                <a:solidFill>
+                  <a:schemeClr val="bg1"/>
+                </a:solidFill>
+                <a:latin typeface="Segoe UI" panose="020B0502040204020203" pitchFamily="34" charset="0"/>
+                <a:cs typeface="Segoe UI" panose="020B0502040204020203" pitchFamily="34" charset="0"/>
+              </a:rPr>
+              <a:t>Localhost ports </a:t>
+            </a:r>
+            <a:r>
+              <a:rPr lang="en-GB" dirty="0">
+                <a:solidFill>
+                  <a:schemeClr val="bg1"/>
+                </a:solidFill>
+                <a:latin typeface="Segoe UI" panose="020B0502040204020203" pitchFamily="34" charset="0"/>
+                <a:cs typeface="Segoe UI" panose="020B0502040204020203" pitchFamily="34" charset="0"/>
+              </a:rPr>
+              <a:t>were 8080 for the back-end and 8081 for the front end</a:t>
+            </a:r>
+            <a:r>
+              <a:rPr lang="en-GB" dirty="0" smtClean="0">
+                <a:solidFill>
+                  <a:schemeClr val="bg1"/>
+                </a:solidFill>
+                <a:latin typeface="Segoe UI" panose="020B0502040204020203" pitchFamily="34" charset="0"/>
+                <a:cs typeface="Segoe UI" panose="020B0502040204020203" pitchFamily="34" charset="0"/>
+              </a:rPr>
+              <a:t>.</a:t>
+            </a:r>
+            <a:endParaRPr lang="en-GB" dirty="0">
               <a:solidFill>
                 <a:schemeClr val="bg1"/>
               </a:solidFill>
@@ -15431,52 +16242,9 @@
               <a:cs typeface="Segoe UI" panose="020B0502040204020203" pitchFamily="34" charset="0"/>
             </a:endParaRPr>
           </a:p>
-          <a:p>
-            <a:pPr lvl="1" indent="-311150">
-              <a:spcBef>
-                <a:spcPts val="0"/>
-              </a:spcBef>
-              <a:buSzPts val="1300"/>
-              <a:buChar char="●"/>
-            </a:pPr>
-            <a:r>
-              <a:rPr lang="en" dirty="0" smtClean="0">
-                <a:solidFill>
-                  <a:schemeClr val="bg1"/>
-                </a:solidFill>
-                <a:latin typeface="Segoe UI" panose="020B0502040204020203" pitchFamily="34" charset="0"/>
-                <a:cs typeface="Segoe UI" panose="020B0502040204020203" pitchFamily="34" charset="0"/>
-              </a:rPr>
-              <a:t>Sending the booking request to the server</a:t>
-            </a:r>
-          </a:p>
-          <a:p>
-            <a:pPr lvl="1" indent="-311150">
-              <a:spcBef>
-                <a:spcPts val="0"/>
-              </a:spcBef>
-              <a:buSzPts val="1300"/>
-              <a:buChar char="●"/>
-            </a:pPr>
-            <a:r>
-              <a:rPr lang="en" dirty="0" smtClean="0">
-                <a:solidFill>
-                  <a:schemeClr val="bg1"/>
-                </a:solidFill>
-                <a:latin typeface="Segoe UI" panose="020B0502040204020203" pitchFamily="34" charset="0"/>
-                <a:cs typeface="Segoe UI" panose="020B0502040204020203" pitchFamily="34" charset="0"/>
-              </a:rPr>
-              <a:t>Seat reservations from the booking page</a:t>
-            </a:r>
-          </a:p>
         </p:txBody>
       </p:sp>
     </p:spTree>
-    <p:extLst>
-      <p:ext uri="{BB962C8B-B14F-4D97-AF65-F5344CB8AC3E}">
-        <p14:creationId xmlns:p14="http://schemas.microsoft.com/office/powerpoint/2010/main" val="2502018270"/>
-      </p:ext>
-    </p:extLst>
   </p:cSld>
   <p:clrMapOvr>
     <a:masterClrMapping/>
@@ -15547,14 +16315,24 @@
               <a:buNone/>
             </a:pPr>
             <a:r>
-              <a:rPr lang="en" dirty="0" smtClean="0">
+              <a:rPr lang="en-GB" dirty="0" smtClean="0">
                 <a:solidFill>
                   <a:schemeClr val="bg1"/>
                 </a:solidFill>
                 <a:latin typeface="Segoe UI" panose="020B0502040204020203" pitchFamily="34" charset="0"/>
                 <a:cs typeface="Segoe UI" panose="020B0502040204020203" pitchFamily="34" charset="0"/>
               </a:rPr>
-              <a:t>Summary</a:t>
+              <a:t>P</a:t>
+            </a:r>
+            <a:r>
+              <a:rPr lang="en" dirty="0" smtClean="0">
+                <a:solidFill>
+                  <a:schemeClr val="bg1"/>
+                </a:solidFill>
+                <a:latin typeface="Segoe UI" panose="020B0502040204020203" pitchFamily="34" charset="0"/>
+                <a:cs typeface="Segoe UI" panose="020B0502040204020203" pitchFamily="34" charset="0"/>
+              </a:rPr>
+              <a:t>rogress</a:t>
             </a:r>
             <a:endParaRPr dirty="0">
               <a:solidFill>
@@ -15587,6 +16365,29 @@
           </a:bodyPr>
           <a:lstStyle/>
           <a:p>
+            <a:pPr lvl="0"/>
+            <a:r>
+              <a:rPr lang="en-GB" dirty="0" smtClean="0">
+                <a:solidFill>
+                  <a:schemeClr val="bg1"/>
+                </a:solidFill>
+                <a:latin typeface="Segoe UI" panose="020B0502040204020203" pitchFamily="34" charset="0"/>
+                <a:cs typeface="Segoe UI" panose="020B0502040204020203" pitchFamily="34" charset="0"/>
+              </a:rPr>
+              <a:t>Initial </a:t>
+            </a:r>
+            <a:r>
+              <a:rPr lang="en" dirty="0" smtClean="0">
+                <a:solidFill>
+                  <a:schemeClr val="bg1"/>
+                </a:solidFill>
+                <a:latin typeface="Segoe UI" panose="020B0502040204020203" pitchFamily="34" charset="0"/>
+                <a:cs typeface="Segoe UI" panose="020B0502040204020203" pitchFamily="34" charset="0"/>
+              </a:rPr>
+              <a:t>front and back end tasks completed quickly.</a:t>
+            </a:r>
+          </a:p>
+          <a:p>
             <a:pPr marL="457200" lvl="0" indent="-311150" rtl="0">
               <a:spcBef>
                 <a:spcPts val="0"/>
@@ -15605,7 +16406,7 @@
                 <a:latin typeface="Segoe UI" panose="020B0502040204020203" pitchFamily="34" charset="0"/>
                 <a:cs typeface="Segoe UI" panose="020B0502040204020203" pitchFamily="34" charset="0"/>
               </a:rPr>
-              <a:t>Time </a:t>
+              <a:t>Linking together took time</a:t>
             </a:r>
             <a:r>
               <a:rPr lang="en" dirty="0">
@@ -15615,9 +16416,9 @@
                 <a:latin typeface="Segoe UI" panose="020B0502040204020203" pitchFamily="34" charset="0"/>
                 <a:cs typeface="Segoe UI" panose="020B0502040204020203" pitchFamily="34" charset="0"/>
               </a:rPr>
-              <a:t>management met its time constraints.</a:t>
-            </a:r>
-            <a:endParaRPr dirty="0">
+              <a:t>:</a:t>
+            </a:r>
+            <a:endParaRPr lang="en" dirty="0" smtClean="0">
               <a:solidFill>
                 <a:schemeClr val="bg1"/>
               </a:solidFill>
@@ -15626,99 +16427,49 @@
             </a:endParaRPr>
           </a:p>
           <a:p>
-            <a:pPr marL="457200" lvl="0" indent="-311150" rtl="0">
+            <a:pPr lvl="1" indent="-311150">
               <a:spcBef>
                 <a:spcPts val="0"/>
               </a:spcBef>
-              <a:spcAft>
-                <a:spcPts val="0"/>
-              </a:spcAft>
               <a:buSzPts val="1300"/>
               <a:buChar char="●"/>
             </a:pPr>
             <a:r>
-              <a:rPr lang="en" dirty="0">
+              <a:rPr lang="en" dirty="0" smtClean="0">
                 <a:solidFill>
                   <a:schemeClr val="bg1"/>
                 </a:solidFill>
                 <a:latin typeface="Segoe UI" panose="020B0502040204020203" pitchFamily="34" charset="0"/>
                 <a:cs typeface="Segoe UI" panose="020B0502040204020203" pitchFamily="34" charset="0"/>
               </a:rPr>
-              <a:t>The team communicated effectively and worked efficiently.</a:t>
-            </a:r>
-            <a:endParaRPr dirty="0">
-              <a:solidFill>
-                <a:schemeClr val="bg1"/>
-              </a:solidFill>
-              <a:latin typeface="Segoe UI" panose="020B0502040204020203" pitchFamily="34" charset="0"/>
-              <a:cs typeface="Segoe UI" panose="020B0502040204020203" pitchFamily="34" charset="0"/>
-            </a:endParaRPr>
-          </a:p>
-          <a:p>
-            <a:pPr marL="457200" lvl="0" indent="-311150">
+              <a:t>Sending the booking request to the server</a:t>
+            </a:r>
+          </a:p>
+          <a:p>
+            <a:pPr lvl="1" indent="-311150">
               <a:spcBef>
                 <a:spcPts val="0"/>
               </a:spcBef>
-              <a:spcAft>
-                <a:spcPts val="0"/>
-              </a:spcAft>
               <a:buSzPts val="1300"/>
               <a:buChar char="●"/>
             </a:pPr>
             <a:r>
-              <a:rPr lang="en" dirty="0">
+              <a:rPr lang="en" dirty="0" smtClean="0">
                 <a:solidFill>
                   <a:schemeClr val="bg1"/>
                 </a:solidFill>
                 <a:latin typeface="Segoe UI" panose="020B0502040204020203" pitchFamily="34" charset="0"/>
                 <a:cs typeface="Segoe UI" panose="020B0502040204020203" pitchFamily="34" charset="0"/>
               </a:rPr>
-              <a:t>The project met </a:t>
-            </a:r>
-            <a:r>
-              <a:rPr lang="en" dirty="0" smtClean="0">
-                <a:solidFill>
-                  <a:schemeClr val="bg1"/>
-                </a:solidFill>
-                <a:latin typeface="Segoe UI" panose="020B0502040204020203" pitchFamily="34" charset="0"/>
-                <a:cs typeface="Segoe UI" panose="020B0502040204020203" pitchFamily="34" charset="0"/>
-              </a:rPr>
-              <a:t>t</a:t>
-            </a:r>
-            <a:r>
-              <a:rPr lang="en-GB" dirty="0" smtClean="0">
-                <a:solidFill>
-                  <a:schemeClr val="bg1"/>
-                </a:solidFill>
-                <a:latin typeface="Segoe UI" panose="020B0502040204020203" pitchFamily="34" charset="0"/>
-                <a:cs typeface="Segoe UI" panose="020B0502040204020203" pitchFamily="34" charset="0"/>
-              </a:rPr>
-              <a:t>he</a:t>
-            </a:r>
-            <a:r>
-              <a:rPr lang="en" dirty="0" smtClean="0">
-                <a:solidFill>
-                  <a:schemeClr val="bg1"/>
-                </a:solidFill>
-                <a:latin typeface="Segoe UI" panose="020B0502040204020203" pitchFamily="34" charset="0"/>
-                <a:cs typeface="Segoe UI" panose="020B0502040204020203" pitchFamily="34" charset="0"/>
-              </a:rPr>
-              <a:t> following requirements:</a:t>
-            </a:r>
-            <a:endParaRPr dirty="0">
-              <a:solidFill>
-                <a:schemeClr val="bg1"/>
-              </a:solidFill>
-              <a:latin typeface="Segoe UI" panose="020B0502040204020203" pitchFamily="34" charset="0"/>
-              <a:cs typeface="Segoe UI" panose="020B0502040204020203" pitchFamily="34" charset="0"/>
-            </a:endParaRPr>
+              <a:t>Seat reservations from the booking page</a:t>
+            </a:r>
           </a:p>
         </p:txBody>
       </p:sp>
     </p:spTree>
     <p:extLst>
       <p:ext uri="{BB962C8B-B14F-4D97-AF65-F5344CB8AC3E}">
-        <p14:creationId xmlns:p14="http://schemas.microsoft.com/office/powerpoint/2010/main" val="3911247103"/>
+        <p14:creationId xmlns:p14="http://schemas.microsoft.com/office/powerpoint/2010/main" val="2502018270"/>
       </p:ext>
     </p:extLst>
   </p:cSld>
@@ -15748,7 +16499,7 @@
     </p:bg>
     <p:spTree>
       <p:nvGrpSpPr>
-        <p:cNvPr id="1" name="Shape 174"/>
+        <p:cNvPr id="1" name="Shape 168"/>
         <p:cNvGrpSpPr/>
         <p:nvPr/>
       </p:nvGrpSpPr>
@@ -15762,19 +16513,15 @@
       </p:grpSpPr>
       <p:sp>
         <p:nvSpPr>
-          <p:cNvPr id="175" name="Google Shape;175;p20"/>
+          <p:cNvPr id="169" name="Google Shape;169;p19"/>
           <p:cNvSpPr txBox="1">
             <a:spLocks noGrp="1"/>
           </p:cNvSpPr>
           <p:nvPr>
-            <p:ph type="body" idx="1"/>
-          </p:nvPr>
-        </p:nvSpPr>
-        <p:spPr>
-          <a:xfrm>
-            <a:off x="819150" y="1624965"/>
-            <a:ext cx="7505700" cy="2448000"/>
-          </a:xfrm>
+            <p:ph type="title"/>
+          </p:nvPr>
+        </p:nvSpPr>
+        <p:spPr>
           <a:prstGeom prst="rect">
             <a:avLst/>
           </a:prstGeom>
@@ -15785,7 +16532,7 @@
           </a:bodyPr>
           <a:lstStyle/>
           <a:p>
-            <a:pPr marL="0" lvl="0" indent="0" algn="ctr" rtl="0">
+            <a:pPr marL="0" lvl="0" indent="0">
               <a:spcBef>
                 <a:spcPts val="0"/>
               </a:spcBef>
@@ -15795,16 +16542,16 @@
               <a:buNone/>
             </a:pPr>
             <a:r>
-              <a:rPr lang="en" sz="2800" dirty="0" smtClean="0">
+              <a:rPr lang="en" dirty="0" smtClean="0">
                 <a:solidFill>
                   <a:schemeClr val="bg1"/>
                 </a:solidFill>
                 <a:latin typeface="Segoe UI" panose="020B0502040204020203" pitchFamily="34" charset="0"/>
                 <a:cs typeface="Segoe UI" panose="020B0502040204020203" pitchFamily="34" charset="0"/>
               </a:rPr>
-              <a:t>Thank you for your attention.</a:t>
-            </a:r>
-            <a:endParaRPr sz="2800" dirty="0" smtClean="0">
+              <a:t>Summary</a:t>
+            </a:r>
+            <a:endParaRPr dirty="0">
               <a:solidFill>
                 <a:schemeClr val="bg1"/>
               </a:solidFill>
@@ -15812,27 +16559,60 @@
               <a:cs typeface="Segoe UI" panose="020B0502040204020203" pitchFamily="34" charset="0"/>
             </a:endParaRPr>
           </a:p>
-          <a:p>
-            <a:pPr marL="0" lvl="0" indent="0" algn="ctr" rtl="0">
+        </p:txBody>
+      </p:sp>
+      <p:sp>
+        <p:nvSpPr>
+          <p:cNvPr id="170" name="Google Shape;170;p19"/>
+          <p:cNvSpPr txBox="1">
+            <a:spLocks noGrp="1"/>
+          </p:cNvSpPr>
+          <p:nvPr>
+            <p:ph type="body" idx="1"/>
+          </p:nvPr>
+        </p:nvSpPr>
+        <p:spPr>
+          <a:prstGeom prst="rect">
+            <a:avLst/>
+          </a:prstGeom>
+        </p:spPr>
+        <p:txBody>
+          <a:bodyPr spcFirstLastPara="1" wrap="square" lIns="91425" tIns="91425" rIns="91425" bIns="91425" anchor="t" anchorCtr="0">
+            <a:noAutofit/>
+          </a:bodyPr>
+          <a:lstStyle/>
+          <a:p>
+            <a:pPr marL="457200" lvl="0" indent="-311150" rtl="0">
               <a:spcBef>
-                <a:spcPts val="1600"/>
+                <a:spcPts val="0"/>
               </a:spcBef>
               <a:spcAft>
                 <a:spcPts val="0"/>
               </a:spcAft>
-              <a:buNone/>
+              <a:buSzPts val="1300"/>
+              <a:buChar char="●"/>
             </a:pPr>
             <a:r>
-              <a:rPr lang="en" sz="2800" dirty="0" smtClean="0">
+              <a:rPr lang="en" dirty="0" smtClean="0">
                 <a:solidFill>
                   <a:schemeClr val="bg1"/>
                 </a:solidFill>
                 <a:latin typeface="Segoe UI" panose="020B0502040204020203" pitchFamily="34" charset="0"/>
                 <a:cs typeface="Segoe UI" panose="020B0502040204020203" pitchFamily="34" charset="0"/>
               </a:rPr>
-              <a:t>Please ask questions.</a:t>
-            </a:r>
-            <a:endParaRPr sz="2800" dirty="0">
+              <a:t>Time </a:t>
+            </a:r>
+            <a:r>
+              <a:rPr lang="en" dirty="0">
+                <a:solidFill>
+                  <a:schemeClr val="bg1"/>
+                </a:solidFill>
+                <a:latin typeface="Segoe UI" panose="020B0502040204020203" pitchFamily="34" charset="0"/>
+                <a:cs typeface="Segoe UI" panose="020B0502040204020203" pitchFamily="34" charset="0"/>
+              </a:rPr>
+              <a:t>management met its time constraints.</a:t>
+            </a:r>
+            <a:endParaRPr dirty="0">
               <a:solidFill>
                 <a:schemeClr val="bg1"/>
               </a:solidFill>
@@ -15840,9 +16620,102 @@
               <a:cs typeface="Segoe UI" panose="020B0502040204020203" pitchFamily="34" charset="0"/>
             </a:endParaRPr>
           </a:p>
+          <a:p>
+            <a:pPr marL="457200" lvl="0" indent="-311150" rtl="0">
+              <a:spcBef>
+                <a:spcPts val="0"/>
+              </a:spcBef>
+              <a:spcAft>
+                <a:spcPts val="0"/>
+              </a:spcAft>
+              <a:buSzPts val="1300"/>
+              <a:buChar char="●"/>
+            </a:pPr>
+            <a:r>
+              <a:rPr lang="en" dirty="0">
+                <a:solidFill>
+                  <a:schemeClr val="bg1"/>
+                </a:solidFill>
+                <a:latin typeface="Segoe UI" panose="020B0502040204020203" pitchFamily="34" charset="0"/>
+                <a:cs typeface="Segoe UI" panose="020B0502040204020203" pitchFamily="34" charset="0"/>
+              </a:rPr>
+              <a:t>The team communicated effectively and worked efficiently.</a:t>
+            </a:r>
+            <a:endParaRPr dirty="0">
+              <a:solidFill>
+                <a:schemeClr val="bg1"/>
+              </a:solidFill>
+              <a:latin typeface="Segoe UI" panose="020B0502040204020203" pitchFamily="34" charset="0"/>
+              <a:cs typeface="Segoe UI" panose="020B0502040204020203" pitchFamily="34" charset="0"/>
+            </a:endParaRPr>
+          </a:p>
+          <a:p>
+            <a:pPr marL="457200" lvl="0" indent="-311150">
+              <a:spcBef>
+                <a:spcPts val="0"/>
+              </a:spcBef>
+              <a:spcAft>
+                <a:spcPts val="0"/>
+              </a:spcAft>
+              <a:buSzPts val="1300"/>
+              <a:buChar char="●"/>
+            </a:pPr>
+            <a:r>
+              <a:rPr lang="en" dirty="0">
+                <a:solidFill>
+                  <a:schemeClr val="bg1"/>
+                </a:solidFill>
+                <a:latin typeface="Segoe UI" panose="020B0502040204020203" pitchFamily="34" charset="0"/>
+                <a:cs typeface="Segoe UI" panose="020B0502040204020203" pitchFamily="34" charset="0"/>
+              </a:rPr>
+              <a:t>The project met </a:t>
+            </a:r>
+            <a:r>
+              <a:rPr lang="en" dirty="0" smtClean="0">
+                <a:solidFill>
+                  <a:schemeClr val="bg1"/>
+                </a:solidFill>
+                <a:latin typeface="Segoe UI" panose="020B0502040204020203" pitchFamily="34" charset="0"/>
+                <a:cs typeface="Segoe UI" panose="020B0502040204020203" pitchFamily="34" charset="0"/>
+              </a:rPr>
+              <a:t>t</a:t>
+            </a:r>
+            <a:r>
+              <a:rPr lang="en-GB" dirty="0" smtClean="0">
+                <a:solidFill>
+                  <a:schemeClr val="bg1"/>
+                </a:solidFill>
+                <a:latin typeface="Segoe UI" panose="020B0502040204020203" pitchFamily="34" charset="0"/>
+                <a:cs typeface="Segoe UI" panose="020B0502040204020203" pitchFamily="34" charset="0"/>
+              </a:rPr>
+              <a:t>he</a:t>
+            </a:r>
+            <a:r>
+              <a:rPr lang="en" dirty="0" smtClean="0">
+                <a:solidFill>
+                  <a:schemeClr val="bg1"/>
+                </a:solidFill>
+                <a:latin typeface="Segoe UI" panose="020B0502040204020203" pitchFamily="34" charset="0"/>
+                <a:cs typeface="Segoe UI" panose="020B0502040204020203" pitchFamily="34" charset="0"/>
+              </a:rPr>
+              <a:t> following requirements:</a:t>
+            </a:r>
+            <a:endParaRPr dirty="0">
+              <a:solidFill>
+                <a:schemeClr val="bg1"/>
+              </a:solidFill>
+              <a:latin typeface="Segoe UI" panose="020B0502040204020203" pitchFamily="34" charset="0"/>
+              <a:cs typeface="Segoe UI" panose="020B0502040204020203" pitchFamily="34" charset="0"/>
+            </a:endParaRPr>
+          </a:p>
         </p:txBody>
       </p:sp>
     </p:spTree>
+    <p:extLst>
+      <p:ext uri="{BB962C8B-B14F-4D97-AF65-F5344CB8AC3E}">
+        <p14:creationId xmlns:p14="http://schemas.microsoft.com/office/powerpoint/2010/main" val="3911247103"/>
+      </p:ext>
+    </p:extLst>
   </p:cSld>
   <p:clrMapOvr>
     <a:masterClrMapping/>

--- a/group project/Group Project QA Cinema System.pptx
+++ b/group project/Group Project QA Cinema System.pptx
@@ -13864,6 +13864,45 @@
           </a:prstGeom>
         </p:spPr>
       </p:pic>
+      <p:sp>
+        <p:nvSpPr>
+          <p:cNvPr id="2" name="AutoShape 2" descr="https://owa.qa.com/OWA/service.svc/s/GetFileAttachment?id=AAMkADdiZjUxMzE5LWQyNjQtNDgzYy1iNjI3LTE3ZmRkY2FkYzFkZABGAAAAAAA5x3w5tLrhQ7Sl2q3UMDauBwB4ySIZTEIVQZxPmG2cDDd3AAAAAAEJAAB4ySIZTEIVQZxPmG2cDDd3AAAjNoY5AAABEgAQAP6TnwlzbwZOgViHn3WvQVc%3D&amp;isImagePreview=True&amp;X-OWA-CANARY=k9zgayu5Zk-ztzSMPQoi4kEI12rDCdYIUB-08Fmmk7lysAcHl0jOlHWY2j5_uQuZkExhBDppeqs."/>
+          <p:cNvSpPr>
+            <a:spLocks noChangeAspect="1" noChangeArrowheads="1"/>
+          </p:cNvSpPr>
+          <p:nvPr/>
+        </p:nvSpPr>
+        <p:spPr bwMode="auto">
+          <a:xfrm>
+            <a:off x="155575" y="-144463"/>
+            <a:ext cx="304800" cy="304801"/>
+          </a:xfrm>
+          <a:prstGeom prst="rect">
+            <a:avLst/>
+          </a:prstGeom>
+          <a:noFill/>
+          <a:extLst>
+            <a:ext uri="{909E8E84-426E-40DD-AFC4-6F175D3DCCD1}">
+              <a14:hiddenFill xmlns:a14="http://schemas.microsoft.com/office/drawing/2010/main">
+                <a:solidFill>
+                  <a:srgbClr val="FFFFFF"/>
+                </a:solidFill>
+              </a14:hiddenFill>
+            </a:ext>
+          </a:extLst>
+        </p:spPr>
+        <p:txBody>
+          <a:bodyPr vert="horz" wrap="square" lIns="91440" tIns="45720" rIns="91440" bIns="45720" numCol="1" anchor="t" anchorCtr="0" compatLnSpc="1">
+            <a:prstTxWarp prst="textNoShape">
+              <a:avLst/>
+            </a:prstTxWarp>
+          </a:bodyPr>
+          <a:lstStyle/>
+          <a:p>
+            <a:endParaRPr lang="en-GB"/>
+          </a:p>
+        </p:txBody>
+      </p:sp>
     </p:spTree>
   </p:cSld>
   <p:clrMapOvr>
@@ -13916,8 +13955,8 @@
         </p:nvSpPr>
         <p:spPr>
           <a:xfrm>
-            <a:off x="819150" y="1624965"/>
-            <a:ext cx="7505700" cy="2448000"/>
+            <a:off x="819150" y="1892251"/>
+            <a:ext cx="7505700" cy="1174506"/>
           </a:xfrm>
           <a:prstGeom prst="rect">
             <a:avLst/>
@@ -14028,56 +14067,6 @@
       </p:grpSpPr>
       <p:sp>
         <p:nvSpPr>
-          <p:cNvPr id="134" name="Google Shape;134;p14"/>
-          <p:cNvSpPr txBox="1">
-            <a:spLocks noGrp="1"/>
-          </p:cNvSpPr>
-          <p:nvPr>
-            <p:ph type="title"/>
-          </p:nvPr>
-        </p:nvSpPr>
-        <p:spPr>
-          <a:prstGeom prst="rect">
-            <a:avLst/>
-          </a:prstGeom>
-        </p:spPr>
-        <p:txBody>
-          <a:bodyPr spcFirstLastPara="1" wrap="square" lIns="91425" tIns="91425" rIns="91425" bIns="91425" anchor="t" anchorCtr="0">
-            <a:noAutofit/>
-          </a:bodyPr>
-          <a:lstStyle/>
-          <a:p>
-            <a:pPr marL="0" lvl="0" indent="0">
-              <a:spcBef>
-                <a:spcPts val="0"/>
-              </a:spcBef>
-              <a:spcAft>
-                <a:spcPts val="0"/>
-              </a:spcAft>
-              <a:buNone/>
-            </a:pPr>
-            <a:r>
-              <a:rPr lang="en">
-                <a:solidFill>
-                  <a:schemeClr val="bg1"/>
-                </a:solidFill>
-                <a:latin typeface="Segoe UI" panose="020B0502040204020203" pitchFamily="34" charset="0"/>
-                <a:cs typeface="Segoe UI" panose="020B0502040204020203" pitchFamily="34" charset="0"/>
-              </a:rPr>
-              <a:t>Introduction</a:t>
-            </a:r>
-            <a:endParaRPr>
-              <a:solidFill>
-                <a:schemeClr val="bg1"/>
-              </a:solidFill>
-              <a:latin typeface="Segoe UI" panose="020B0502040204020203" pitchFamily="34" charset="0"/>
-              <a:cs typeface="Segoe UI" panose="020B0502040204020203" pitchFamily="34" charset="0"/>
-            </a:endParaRPr>
-          </a:p>
-        </p:txBody>
-      </p:sp>
-      <p:sp>
-        <p:nvSpPr>
           <p:cNvPr id="135" name="Google Shape;135;p14"/>
           <p:cNvSpPr txBox="1">
             <a:spLocks noGrp="1"/>
@@ -14220,6 +14209,159 @@
               <a:t>At every stage, usability requirements were met.</a:t>
             </a:r>
             <a:endParaRPr dirty="0">
+              <a:solidFill>
+                <a:schemeClr val="bg1"/>
+              </a:solidFill>
+              <a:latin typeface="Segoe UI" panose="020B0502040204020203" pitchFamily="34" charset="0"/>
+              <a:cs typeface="Segoe UI" panose="020B0502040204020203" pitchFamily="34" charset="0"/>
+            </a:endParaRPr>
+          </a:p>
+        </p:txBody>
+      </p:sp>
+      <p:sp>
+        <p:nvSpPr>
+          <p:cNvPr id="5" name="Google Shape;157;p17"/>
+          <p:cNvSpPr txBox="1">
+            <a:spLocks/>
+          </p:cNvSpPr>
+          <p:nvPr/>
+        </p:nvSpPr>
+        <p:spPr>
+          <a:xfrm>
+            <a:off x="971550" y="998000"/>
+            <a:ext cx="7505700" cy="954600"/>
+          </a:xfrm>
+          <a:prstGeom prst="rect">
+            <a:avLst/>
+          </a:prstGeom>
+        </p:spPr>
+        <p:txBody>
+          <a:bodyPr spcFirstLastPara="1" vert="horz" wrap="square" lIns="91425" tIns="91425" rIns="91425" bIns="91425" rtlCol="0" anchor="t" anchorCtr="0">
+            <a:noAutofit/>
+          </a:bodyPr>
+          <a:lstStyle>
+            <a:lvl1pPr lvl="0" algn="r" defTabSz="685800" rtl="0" eaLnBrk="1" latinLnBrk="0" hangingPunct="1">
+              <a:lnSpc>
+                <a:spcPct val="90000"/>
+              </a:lnSpc>
+              <a:spcBef>
+                <a:spcPts val="0"/>
+              </a:spcBef>
+              <a:spcAft>
+                <a:spcPts val="0"/>
+              </a:spcAft>
+              <a:buSzPts val="3000"/>
+              <a:buNone/>
+              <a:defRPr sz="3000" kern="1200" cap="all" baseline="0">
+                <a:solidFill>
+                  <a:schemeClr val="tx1"/>
+                </a:solidFill>
+                <a:latin typeface="+mj-lt"/>
+                <a:ea typeface="+mj-ea"/>
+                <a:cs typeface="+mj-cs"/>
+              </a:defRPr>
+            </a:lvl1pPr>
+            <a:lvl2pPr lvl="1">
+              <a:spcBef>
+                <a:spcPts val="0"/>
+              </a:spcBef>
+              <a:spcAft>
+                <a:spcPts val="0"/>
+              </a:spcAft>
+              <a:buSzPts val="3000"/>
+              <a:buNone/>
+              <a:defRPr sz="3000"/>
+            </a:lvl2pPr>
+            <a:lvl3pPr lvl="2">
+              <a:spcBef>
+                <a:spcPts val="0"/>
+              </a:spcBef>
+              <a:spcAft>
+                <a:spcPts val="0"/>
+              </a:spcAft>
+              <a:buSzPts val="3000"/>
+              <a:buNone/>
+              <a:defRPr sz="3000"/>
+            </a:lvl3pPr>
+            <a:lvl4pPr lvl="3">
+              <a:spcBef>
+                <a:spcPts val="0"/>
+              </a:spcBef>
+              <a:spcAft>
+                <a:spcPts val="0"/>
+              </a:spcAft>
+              <a:buSzPts val="3000"/>
+              <a:buNone/>
+              <a:defRPr sz="3000"/>
+            </a:lvl4pPr>
+            <a:lvl5pPr lvl="4">
+              <a:spcBef>
+                <a:spcPts val="0"/>
+              </a:spcBef>
+              <a:spcAft>
+                <a:spcPts val="0"/>
+              </a:spcAft>
+              <a:buSzPts val="3000"/>
+              <a:buNone/>
+              <a:defRPr sz="3000"/>
+            </a:lvl5pPr>
+            <a:lvl6pPr lvl="5">
+              <a:spcBef>
+                <a:spcPts val="0"/>
+              </a:spcBef>
+              <a:spcAft>
+                <a:spcPts val="0"/>
+              </a:spcAft>
+              <a:buSzPts val="3000"/>
+              <a:buNone/>
+              <a:defRPr sz="3000"/>
+            </a:lvl6pPr>
+            <a:lvl7pPr lvl="6">
+              <a:spcBef>
+                <a:spcPts val="0"/>
+              </a:spcBef>
+              <a:spcAft>
+                <a:spcPts val="0"/>
+              </a:spcAft>
+              <a:buSzPts val="3000"/>
+              <a:buNone/>
+              <a:defRPr sz="3000"/>
+            </a:lvl7pPr>
+            <a:lvl8pPr lvl="7">
+              <a:spcBef>
+                <a:spcPts val="0"/>
+              </a:spcBef>
+              <a:spcAft>
+                <a:spcPts val="0"/>
+              </a:spcAft>
+              <a:buSzPts val="3000"/>
+              <a:buNone/>
+              <a:defRPr sz="3000"/>
+            </a:lvl8pPr>
+            <a:lvl9pPr lvl="8">
+              <a:spcBef>
+                <a:spcPts val="0"/>
+              </a:spcBef>
+              <a:spcAft>
+                <a:spcPts val="0"/>
+              </a:spcAft>
+              <a:buSzPts val="3000"/>
+              <a:buNone/>
+              <a:defRPr sz="3000"/>
+            </a:lvl9pPr>
+          </a:lstStyle>
+          <a:p>
+            <a:r>
+              <a:rPr lang="en-GB" dirty="0" smtClean="0">
+                <a:solidFill>
+                  <a:schemeClr val="bg1"/>
+                </a:solidFill>
+                <a:latin typeface="Segoe UI" panose="020B0502040204020203" pitchFamily="34" charset="0"/>
+                <a:cs typeface="Segoe UI" panose="020B0502040204020203" pitchFamily="34" charset="0"/>
+              </a:rPr>
+              <a:t>Introduction</a:t>
+            </a:r>
+            <a:endParaRPr lang="en-GB" dirty="0">
               <a:solidFill>
                 <a:schemeClr val="bg1"/>
               </a:solidFill>
@@ -14271,66 +14413,6 @@
       </p:grpSpPr>
       <p:sp>
         <p:nvSpPr>
-          <p:cNvPr id="134" name="Google Shape;134;p14"/>
-          <p:cNvSpPr txBox="1">
-            <a:spLocks noGrp="1"/>
-          </p:cNvSpPr>
-          <p:nvPr>
-            <p:ph type="title"/>
-          </p:nvPr>
-        </p:nvSpPr>
-        <p:spPr>
-          <a:prstGeom prst="rect">
-            <a:avLst/>
-          </a:prstGeom>
-        </p:spPr>
-        <p:txBody>
-          <a:bodyPr spcFirstLastPara="1" wrap="square" lIns="91425" tIns="91425" rIns="91425" bIns="91425" anchor="t" anchorCtr="0">
-            <a:noAutofit/>
-          </a:bodyPr>
-          <a:lstStyle/>
-          <a:p>
-            <a:pPr marL="0" lvl="0" indent="0">
-              <a:spcBef>
-                <a:spcPts val="0"/>
-              </a:spcBef>
-              <a:spcAft>
-                <a:spcPts val="0"/>
-              </a:spcAft>
-              <a:buNone/>
-            </a:pPr>
-            <a:r>
-              <a:rPr lang="en-GB" dirty="0" smtClean="0">
-                <a:solidFill>
-                  <a:schemeClr val="bg1"/>
-                </a:solidFill>
-                <a:latin typeface="Segoe UI" panose="020B0502040204020203" pitchFamily="34" charset="0"/>
-                <a:cs typeface="Segoe UI" panose="020B0502040204020203" pitchFamily="34" charset="0"/>
-              </a:rPr>
-              <a:t>R</a:t>
-            </a:r>
-            <a:r>
-              <a:rPr lang="en" dirty="0" smtClean="0">
-                <a:solidFill>
-                  <a:schemeClr val="bg1"/>
-                </a:solidFill>
-                <a:latin typeface="Segoe UI" panose="020B0502040204020203" pitchFamily="34" charset="0"/>
-                <a:cs typeface="Segoe UI" panose="020B0502040204020203" pitchFamily="34" charset="0"/>
-              </a:rPr>
-              <a:t>equirements summary</a:t>
-            </a:r>
-            <a:endParaRPr dirty="0">
-              <a:solidFill>
-                <a:schemeClr val="bg1"/>
-              </a:solidFill>
-              <a:latin typeface="Segoe UI" panose="020B0502040204020203" pitchFamily="34" charset="0"/>
-              <a:cs typeface="Segoe UI" panose="020B0502040204020203" pitchFamily="34" charset="0"/>
-            </a:endParaRPr>
-          </a:p>
-        </p:txBody>
-      </p:sp>
-      <p:sp>
-        <p:nvSpPr>
           <p:cNvPr id="135" name="Google Shape;135;p14"/>
           <p:cNvSpPr txBox="1">
             <a:spLocks noGrp="1"/>
@@ -14341,7 +14423,7 @@
         </p:nvSpPr>
         <p:spPr>
           <a:xfrm>
-            <a:off x="449943" y="1719275"/>
+            <a:off x="449943" y="2141308"/>
             <a:ext cx="8244114" cy="3026896"/>
           </a:xfrm>
           <a:prstGeom prst="rect">
@@ -14970,6 +15052,434 @@
               <a:t>Social media</a:t>
             </a:r>
             <a:endParaRPr dirty="0">
+              <a:solidFill>
+                <a:schemeClr val="bg1"/>
+              </a:solidFill>
+              <a:latin typeface="Segoe UI" panose="020B0502040204020203" pitchFamily="34" charset="0"/>
+              <a:cs typeface="Segoe UI" panose="020B0502040204020203" pitchFamily="34" charset="0"/>
+            </a:endParaRPr>
+          </a:p>
+        </p:txBody>
+      </p:sp>
+      <p:sp>
+        <p:nvSpPr>
+          <p:cNvPr id="4" name="Google Shape;135;p14"/>
+          <p:cNvSpPr txBox="1">
+            <a:spLocks/>
+          </p:cNvSpPr>
+          <p:nvPr/>
+        </p:nvSpPr>
+        <p:spPr>
+          <a:xfrm>
+            <a:off x="449943" y="1490107"/>
+            <a:ext cx="8244114" cy="466579"/>
+          </a:xfrm>
+          <a:prstGeom prst="rect">
+            <a:avLst/>
+          </a:prstGeom>
+        </p:spPr>
+        <p:txBody>
+          <a:bodyPr spcFirstLastPara="1" vert="horz" wrap="square" lIns="91425" tIns="91425" rIns="91425" bIns="91425" numCol="1" rtlCol="0" anchor="t" anchorCtr="0">
+            <a:noAutofit/>
+          </a:bodyPr>
+          <a:lstStyle>
+            <a:lvl1pPr marL="457200" lvl="0" indent="-311150" algn="l" defTabSz="685800" rtl="0" eaLnBrk="1" latinLnBrk="0" hangingPunct="1">
+              <a:lnSpc>
+                <a:spcPct val="90000"/>
+              </a:lnSpc>
+              <a:spcBef>
+                <a:spcPts val="0"/>
+              </a:spcBef>
+              <a:spcAft>
+                <a:spcPts val="0"/>
+              </a:spcAft>
+              <a:buSzPts val="1300"/>
+              <a:buFont typeface="Arial" panose="020B0604020202020204" pitchFamily="34" charset="0"/>
+              <a:buChar char="●"/>
+              <a:defRPr sz="1650" kern="1200">
+                <a:solidFill>
+                  <a:schemeClr val="tx1"/>
+                </a:solidFill>
+                <a:latin typeface="+mn-lt"/>
+                <a:ea typeface="+mn-ea"/>
+                <a:cs typeface="+mn-cs"/>
+              </a:defRPr>
+            </a:lvl1pPr>
+            <a:lvl2pPr marL="914400" lvl="1" indent="-298450" algn="l" defTabSz="685800" rtl="0" eaLnBrk="1" latinLnBrk="0" hangingPunct="1">
+              <a:lnSpc>
+                <a:spcPct val="90000"/>
+              </a:lnSpc>
+              <a:spcBef>
+                <a:spcPts val="1600"/>
+              </a:spcBef>
+              <a:spcAft>
+                <a:spcPts val="0"/>
+              </a:spcAft>
+              <a:buSzPts val="1100"/>
+              <a:buFont typeface="Arial" panose="020B0604020202020204" pitchFamily="34" charset="0"/>
+              <a:buChar char="○"/>
+              <a:defRPr sz="1500" kern="1200">
+                <a:solidFill>
+                  <a:schemeClr val="tx1"/>
+                </a:solidFill>
+                <a:latin typeface="+mn-lt"/>
+                <a:ea typeface="+mn-ea"/>
+                <a:cs typeface="+mn-cs"/>
+              </a:defRPr>
+            </a:lvl2pPr>
+            <a:lvl3pPr marL="1371600" lvl="2" indent="-298450" algn="l" defTabSz="685800" rtl="0" eaLnBrk="1" latinLnBrk="0" hangingPunct="1">
+              <a:lnSpc>
+                <a:spcPct val="90000"/>
+              </a:lnSpc>
+              <a:spcBef>
+                <a:spcPts val="1600"/>
+              </a:spcBef>
+              <a:spcAft>
+                <a:spcPts val="0"/>
+              </a:spcAft>
+              <a:buSzPts val="1100"/>
+              <a:buFont typeface="Arial" panose="020B0604020202020204" pitchFamily="34" charset="0"/>
+              <a:buChar char="■"/>
+              <a:defRPr sz="1350" kern="1200">
+                <a:solidFill>
+                  <a:schemeClr val="tx1"/>
+                </a:solidFill>
+                <a:latin typeface="+mn-lt"/>
+                <a:ea typeface="+mn-ea"/>
+                <a:cs typeface="+mn-cs"/>
+              </a:defRPr>
+            </a:lvl3pPr>
+            <a:lvl4pPr marL="1828800" lvl="3" indent="-298450" algn="l" defTabSz="685800" rtl="0" eaLnBrk="1" latinLnBrk="0" hangingPunct="1">
+              <a:lnSpc>
+                <a:spcPct val="90000"/>
+              </a:lnSpc>
+              <a:spcBef>
+                <a:spcPts val="1600"/>
+              </a:spcBef>
+              <a:spcAft>
+                <a:spcPts val="0"/>
+              </a:spcAft>
+              <a:buSzPts val="1100"/>
+              <a:buFont typeface="Arial" panose="020B0604020202020204" pitchFamily="34" charset="0"/>
+              <a:buChar char="●"/>
+              <a:defRPr sz="1200" kern="1200">
+                <a:solidFill>
+                  <a:schemeClr val="tx1"/>
+                </a:solidFill>
+                <a:latin typeface="+mn-lt"/>
+                <a:ea typeface="+mn-ea"/>
+                <a:cs typeface="+mn-cs"/>
+              </a:defRPr>
+            </a:lvl4pPr>
+            <a:lvl5pPr marL="2286000" lvl="4" indent="-298450" algn="l" defTabSz="685800" rtl="0" eaLnBrk="1" latinLnBrk="0" hangingPunct="1">
+              <a:lnSpc>
+                <a:spcPct val="90000"/>
+              </a:lnSpc>
+              <a:spcBef>
+                <a:spcPts val="1600"/>
+              </a:spcBef>
+              <a:spcAft>
+                <a:spcPts val="0"/>
+              </a:spcAft>
+              <a:buSzPts val="1100"/>
+              <a:buFont typeface="Arial" panose="020B0604020202020204" pitchFamily="34" charset="0"/>
+              <a:buChar char="○"/>
+              <a:defRPr sz="1200" kern="1200">
+                <a:solidFill>
+                  <a:schemeClr val="tx1"/>
+                </a:solidFill>
+                <a:latin typeface="+mn-lt"/>
+                <a:ea typeface="+mn-ea"/>
+                <a:cs typeface="+mn-cs"/>
+              </a:defRPr>
+            </a:lvl5pPr>
+            <a:lvl6pPr marL="2743200" lvl="5" indent="-298450" algn="l" defTabSz="685800" rtl="0" eaLnBrk="1" latinLnBrk="0" hangingPunct="1">
+              <a:lnSpc>
+                <a:spcPct val="90000"/>
+              </a:lnSpc>
+              <a:spcBef>
+                <a:spcPts val="1600"/>
+              </a:spcBef>
+              <a:spcAft>
+                <a:spcPts val="0"/>
+              </a:spcAft>
+              <a:buSzPts val="1100"/>
+              <a:buFont typeface="Arial" panose="020B0604020202020204" pitchFamily="34" charset="0"/>
+              <a:buChar char="■"/>
+              <a:defRPr sz="1200" kern="1200">
+                <a:solidFill>
+                  <a:schemeClr val="tx1"/>
+                </a:solidFill>
+                <a:latin typeface="+mn-lt"/>
+                <a:ea typeface="+mn-ea"/>
+                <a:cs typeface="+mn-cs"/>
+              </a:defRPr>
+            </a:lvl6pPr>
+            <a:lvl7pPr marL="3200400" lvl="6" indent="-298450" algn="l" defTabSz="685800" rtl="0" eaLnBrk="1" latinLnBrk="0" hangingPunct="1">
+              <a:lnSpc>
+                <a:spcPct val="90000"/>
+              </a:lnSpc>
+              <a:spcBef>
+                <a:spcPts val="1600"/>
+              </a:spcBef>
+              <a:spcAft>
+                <a:spcPts val="0"/>
+              </a:spcAft>
+              <a:buSzPts val="1100"/>
+              <a:buFont typeface="Arial" panose="020B0604020202020204" pitchFamily="34" charset="0"/>
+              <a:buChar char="●"/>
+              <a:defRPr sz="1200" kern="1200">
+                <a:solidFill>
+                  <a:schemeClr val="tx1"/>
+                </a:solidFill>
+                <a:latin typeface="+mn-lt"/>
+                <a:ea typeface="+mn-ea"/>
+                <a:cs typeface="+mn-cs"/>
+              </a:defRPr>
+            </a:lvl7pPr>
+            <a:lvl8pPr marL="3657600" lvl="7" indent="-298450" algn="l" defTabSz="685800" rtl="0" eaLnBrk="1" latinLnBrk="0" hangingPunct="1">
+              <a:lnSpc>
+                <a:spcPct val="90000"/>
+              </a:lnSpc>
+              <a:spcBef>
+                <a:spcPts val="1600"/>
+              </a:spcBef>
+              <a:spcAft>
+                <a:spcPts val="0"/>
+              </a:spcAft>
+              <a:buSzPts val="1100"/>
+              <a:buFont typeface="Arial" panose="020B0604020202020204" pitchFamily="34" charset="0"/>
+              <a:buChar char="○"/>
+              <a:defRPr sz="1200" kern="1200">
+                <a:solidFill>
+                  <a:schemeClr val="tx1"/>
+                </a:solidFill>
+                <a:latin typeface="+mn-lt"/>
+                <a:ea typeface="+mn-ea"/>
+                <a:cs typeface="+mn-cs"/>
+              </a:defRPr>
+            </a:lvl8pPr>
+            <a:lvl9pPr marL="4114800" lvl="8" indent="-298450" algn="l" defTabSz="685800" rtl="0" eaLnBrk="1" latinLnBrk="0" hangingPunct="1">
+              <a:lnSpc>
+                <a:spcPct val="90000"/>
+              </a:lnSpc>
+              <a:spcBef>
+                <a:spcPts val="1600"/>
+              </a:spcBef>
+              <a:spcAft>
+                <a:spcPts val="1600"/>
+              </a:spcAft>
+              <a:buSzPts val="1100"/>
+              <a:buFont typeface="Arial" panose="020B0604020202020204" pitchFamily="34" charset="0"/>
+              <a:buChar char="■"/>
+              <a:defRPr sz="1200" kern="1200">
+                <a:solidFill>
+                  <a:schemeClr val="tx1"/>
+                </a:solidFill>
+                <a:latin typeface="+mn-lt"/>
+                <a:ea typeface="+mn-ea"/>
+                <a:cs typeface="+mn-cs"/>
+              </a:defRPr>
+            </a:lvl9pPr>
+          </a:lstStyle>
+          <a:p>
+            <a:pPr marL="0" indent="0" algn="just">
+              <a:buNone/>
+            </a:pPr>
+            <a:r>
+              <a:rPr lang="en-GB" dirty="0" smtClean="0">
+                <a:solidFill>
+                  <a:schemeClr val="bg1"/>
+                </a:solidFill>
+                <a:latin typeface="Segoe UI" panose="020B0502040204020203" pitchFamily="34" charset="0"/>
+                <a:cs typeface="Segoe UI" panose="020B0502040204020203" pitchFamily="34" charset="0"/>
+              </a:rPr>
+              <a:t>Overall: aesthetic</a:t>
+            </a:r>
+            <a:r>
+              <a:rPr lang="en-GB" dirty="0">
+                <a:solidFill>
+                  <a:schemeClr val="bg1"/>
+                </a:solidFill>
+                <a:latin typeface="Segoe UI" panose="020B0502040204020203" pitchFamily="34" charset="0"/>
+                <a:cs typeface="Segoe UI" panose="020B0502040204020203" pitchFamily="34" charset="0"/>
+              </a:rPr>
+              <a:t>, </a:t>
+            </a:r>
+            <a:r>
+              <a:rPr lang="en-GB" dirty="0" smtClean="0">
+                <a:solidFill>
+                  <a:schemeClr val="bg1"/>
+                </a:solidFill>
+                <a:latin typeface="Segoe UI" panose="020B0502040204020203" pitchFamily="34" charset="0"/>
+                <a:cs typeface="Segoe UI" panose="020B0502040204020203" pitchFamily="34" charset="0"/>
+              </a:rPr>
+              <a:t>predictable to use, communicates meaning.</a:t>
+            </a:r>
+            <a:endParaRPr lang="en-GB" dirty="0">
+              <a:solidFill>
+                <a:schemeClr val="bg1"/>
+              </a:solidFill>
+              <a:latin typeface="Segoe UI" panose="020B0502040204020203" pitchFamily="34" charset="0"/>
+              <a:cs typeface="Segoe UI" panose="020B0502040204020203" pitchFamily="34" charset="0"/>
+            </a:endParaRPr>
+          </a:p>
+        </p:txBody>
+      </p:sp>
+      <p:sp>
+        <p:nvSpPr>
+          <p:cNvPr id="5" name="Google Shape;157;p17"/>
+          <p:cNvSpPr txBox="1">
+            <a:spLocks/>
+          </p:cNvSpPr>
+          <p:nvPr/>
+        </p:nvSpPr>
+        <p:spPr>
+          <a:xfrm>
+            <a:off x="819150" y="718992"/>
+            <a:ext cx="7505700" cy="954600"/>
+          </a:xfrm>
+          <a:prstGeom prst="rect">
+            <a:avLst/>
+          </a:prstGeom>
+        </p:spPr>
+        <p:txBody>
+          <a:bodyPr spcFirstLastPara="1" vert="horz" wrap="square" lIns="91425" tIns="91425" rIns="91425" bIns="91425" rtlCol="0" anchor="t" anchorCtr="0">
+            <a:noAutofit/>
+          </a:bodyPr>
+          <a:lstStyle>
+            <a:lvl1pPr lvl="0" algn="r" defTabSz="685800" rtl="0" eaLnBrk="1" latinLnBrk="0" hangingPunct="1">
+              <a:lnSpc>
+                <a:spcPct val="90000"/>
+              </a:lnSpc>
+              <a:spcBef>
+                <a:spcPts val="0"/>
+              </a:spcBef>
+              <a:spcAft>
+                <a:spcPts val="0"/>
+              </a:spcAft>
+              <a:buSzPts val="3000"/>
+              <a:buNone/>
+              <a:defRPr sz="3000" kern="1200" cap="all" baseline="0">
+                <a:solidFill>
+                  <a:schemeClr val="tx1"/>
+                </a:solidFill>
+                <a:latin typeface="+mj-lt"/>
+                <a:ea typeface="+mj-ea"/>
+                <a:cs typeface="+mj-cs"/>
+              </a:defRPr>
+            </a:lvl1pPr>
+            <a:lvl2pPr lvl="1">
+              <a:spcBef>
+                <a:spcPts val="0"/>
+              </a:spcBef>
+              <a:spcAft>
+                <a:spcPts val="0"/>
+              </a:spcAft>
+              <a:buSzPts val="3000"/>
+              <a:buNone/>
+              <a:defRPr sz="3000"/>
+            </a:lvl2pPr>
+            <a:lvl3pPr lvl="2">
+              <a:spcBef>
+                <a:spcPts val="0"/>
+              </a:spcBef>
+              <a:spcAft>
+                <a:spcPts val="0"/>
+              </a:spcAft>
+              <a:buSzPts val="3000"/>
+              <a:buNone/>
+              <a:defRPr sz="3000"/>
+            </a:lvl3pPr>
+            <a:lvl4pPr lvl="3">
+              <a:spcBef>
+                <a:spcPts val="0"/>
+              </a:spcBef>
+              <a:spcAft>
+                <a:spcPts val="0"/>
+              </a:spcAft>
+              <a:buSzPts val="3000"/>
+              <a:buNone/>
+              <a:defRPr sz="3000"/>
+            </a:lvl4pPr>
+            <a:lvl5pPr lvl="4">
+              <a:spcBef>
+                <a:spcPts val="0"/>
+              </a:spcBef>
+              <a:spcAft>
+                <a:spcPts val="0"/>
+              </a:spcAft>
+              <a:buSzPts val="3000"/>
+              <a:buNone/>
+              <a:defRPr sz="3000"/>
+            </a:lvl5pPr>
+            <a:lvl6pPr lvl="5">
+              <a:spcBef>
+                <a:spcPts val="0"/>
+              </a:spcBef>
+              <a:spcAft>
+                <a:spcPts val="0"/>
+              </a:spcAft>
+              <a:buSzPts val="3000"/>
+              <a:buNone/>
+              <a:defRPr sz="3000"/>
+            </a:lvl6pPr>
+            <a:lvl7pPr lvl="6">
+              <a:spcBef>
+                <a:spcPts val="0"/>
+              </a:spcBef>
+              <a:spcAft>
+                <a:spcPts val="0"/>
+              </a:spcAft>
+              <a:buSzPts val="3000"/>
+              <a:buNone/>
+              <a:defRPr sz="3000"/>
+            </a:lvl7pPr>
+            <a:lvl8pPr lvl="7">
+              <a:spcBef>
+                <a:spcPts val="0"/>
+              </a:spcBef>
+              <a:spcAft>
+                <a:spcPts val="0"/>
+              </a:spcAft>
+              <a:buSzPts val="3000"/>
+              <a:buNone/>
+              <a:defRPr sz="3000"/>
+            </a:lvl8pPr>
+            <a:lvl9pPr lvl="8">
+              <a:spcBef>
+                <a:spcPts val="0"/>
+              </a:spcBef>
+              <a:spcAft>
+                <a:spcPts val="0"/>
+              </a:spcAft>
+              <a:buSzPts val="3000"/>
+              <a:buNone/>
+              <a:defRPr sz="3000"/>
+            </a:lvl9pPr>
+          </a:lstStyle>
+          <a:p>
+            <a:r>
+              <a:rPr lang="en-GB" dirty="0">
+                <a:solidFill>
+                  <a:schemeClr val="bg1"/>
+                </a:solidFill>
+                <a:latin typeface="Segoe UI" panose="020B0502040204020203" pitchFamily="34" charset="0"/>
+                <a:cs typeface="Segoe UI" panose="020B0502040204020203" pitchFamily="34" charset="0"/>
+              </a:rPr>
+              <a:t>R</a:t>
+            </a:r>
+            <a:r>
+              <a:rPr lang="en" dirty="0">
+                <a:solidFill>
+                  <a:schemeClr val="bg1"/>
+                </a:solidFill>
+                <a:latin typeface="Segoe UI" panose="020B0502040204020203" pitchFamily="34" charset="0"/>
+                <a:cs typeface="Segoe UI" panose="020B0502040204020203" pitchFamily="34" charset="0"/>
+              </a:rPr>
+              <a:t>equirements summary</a:t>
+            </a:r>
+            <a:endParaRPr lang="en-GB" dirty="0">
               <a:solidFill>
                 <a:schemeClr val="bg1"/>
               </a:solidFill>
@@ -15164,60 +15674,6 @@
           </a:ln>
         </p:spPr>
       </p:pic>
-      <p:sp>
-        <p:nvSpPr>
-          <p:cNvPr id="10" name="Google Shape;151;p16"/>
-          <p:cNvSpPr txBox="1">
-            <a:spLocks noGrp="1"/>
-          </p:cNvSpPr>
-          <p:nvPr>
-            <p:ph type="title"/>
-          </p:nvPr>
-        </p:nvSpPr>
-        <p:spPr>
-          <a:xfrm>
-            <a:off x="610325" y="448875"/>
-            <a:ext cx="7505700" cy="954600"/>
-          </a:xfrm>
-          <a:prstGeom prst="rect">
-            <a:avLst/>
-          </a:prstGeom>
-        </p:spPr>
-        <p:txBody>
-          <a:bodyPr spcFirstLastPara="1" wrap="square" lIns="91425" tIns="91425" rIns="91425" bIns="91425" anchor="t" anchorCtr="0">
-            <a:noAutofit/>
-          </a:bodyPr>
-          <a:lstStyle/>
-          <a:p>
-            <a:pPr marL="0" lvl="0" indent="0" rtl="0">
-              <a:spcBef>
-                <a:spcPts val="0"/>
-              </a:spcBef>
-              <a:spcAft>
-                <a:spcPts val="0"/>
-              </a:spcAft>
-              <a:buNone/>
-            </a:pPr>
-            <a:r>
-              <a:rPr lang="en" dirty="0">
-                <a:solidFill>
-                  <a:schemeClr val="bg1"/>
-                </a:solidFill>
-                <a:latin typeface="Segoe UI" panose="020B0502040204020203" pitchFamily="34" charset="0"/>
-                <a:cs typeface="Segoe UI" panose="020B0502040204020203" pitchFamily="34" charset="0"/>
-              </a:rPr>
-              <a:t>Tools</a:t>
-            </a:r>
-            <a:endParaRPr dirty="0">
-              <a:solidFill>
-                <a:schemeClr val="bg1"/>
-              </a:solidFill>
-              <a:latin typeface="Segoe UI" panose="020B0502040204020203" pitchFamily="34" charset="0"/>
-              <a:cs typeface="Segoe UI" panose="020B0502040204020203" pitchFamily="34" charset="0"/>
-            </a:endParaRPr>
-          </a:p>
-        </p:txBody>
-      </p:sp>
       <p:pic>
         <p:nvPicPr>
           <p:cNvPr id="11" name="Google Shape;142;p15"/>
@@ -15274,6 +15730,60 @@
           </a:ln>
         </p:spPr>
       </p:pic>
+      <p:sp>
+        <p:nvSpPr>
+          <p:cNvPr id="13" name="Google Shape;157;p17"/>
+          <p:cNvSpPr txBox="1">
+            <a:spLocks noGrp="1"/>
+          </p:cNvSpPr>
+          <p:nvPr>
+            <p:ph type="title"/>
+          </p:nvPr>
+        </p:nvSpPr>
+        <p:spPr>
+          <a:xfrm>
+            <a:off x="819150" y="845600"/>
+            <a:ext cx="7505700" cy="954600"/>
+          </a:xfrm>
+          <a:prstGeom prst="rect">
+            <a:avLst/>
+          </a:prstGeom>
+        </p:spPr>
+        <p:txBody>
+          <a:bodyPr spcFirstLastPara="1" wrap="square" lIns="91425" tIns="91425" rIns="91425" bIns="91425" anchor="t" anchorCtr="0">
+            <a:noAutofit/>
+          </a:bodyPr>
+          <a:lstStyle/>
+          <a:p>
+            <a:pPr marL="0" lvl="0" indent="0">
+              <a:spcBef>
+                <a:spcPts val="0"/>
+              </a:spcBef>
+              <a:spcAft>
+                <a:spcPts val="0"/>
+              </a:spcAft>
+              <a:buNone/>
+            </a:pPr>
+            <a:r>
+              <a:rPr lang="en" dirty="0" smtClean="0">
+                <a:solidFill>
+                  <a:schemeClr val="bg1"/>
+                </a:solidFill>
+                <a:latin typeface="Segoe UI" panose="020B0502040204020203" pitchFamily="34" charset="0"/>
+                <a:cs typeface="Segoe UI" panose="020B0502040204020203" pitchFamily="34" charset="0"/>
+              </a:rPr>
+              <a:t>Tools</a:t>
+            </a:r>
+            <a:endParaRPr dirty="0">
+              <a:solidFill>
+                <a:schemeClr val="bg1"/>
+              </a:solidFill>
+              <a:latin typeface="Segoe UI" panose="020B0502040204020203" pitchFamily="34" charset="0"/>
+              <a:cs typeface="Segoe UI" panose="020B0502040204020203" pitchFamily="34" charset="0"/>
+            </a:endParaRPr>
+          </a:p>
+        </p:txBody>
+      </p:sp>
     </p:spTree>
   </p:cSld>
   <p:clrMapOvr>

--- a/group project/Group Project QA Cinema System.pptx
+++ b/group project/Group Project QA Cinema System.pptx
@@ -14126,7 +14126,17 @@
                 <a:latin typeface="Segoe UI" panose="020B0502040204020203" pitchFamily="34" charset="0"/>
                 <a:cs typeface="Segoe UI" panose="020B0502040204020203" pitchFamily="34" charset="0"/>
               </a:rPr>
-              <a:t>While making the website, our emphasis </a:t>
+              <a:t>Our </a:t>
+            </a:r>
+            <a:r>
+              <a:rPr lang="en" dirty="0" smtClean="0">
+                <a:solidFill>
+                  <a:schemeClr val="bg1"/>
+                </a:solidFill>
+                <a:latin typeface="Segoe UI" panose="020B0502040204020203" pitchFamily="34" charset="0"/>
+                <a:cs typeface="Segoe UI" panose="020B0502040204020203" pitchFamily="34" charset="0"/>
+              </a:rPr>
+              <a:t>emphasis </a:t>
             </a:r>
             <a:r>
               <a:rPr lang="en" dirty="0">
@@ -14166,7 +14176,17 @@
                 <a:latin typeface="Segoe UI" panose="020B0502040204020203" pitchFamily="34" charset="0"/>
                 <a:cs typeface="Segoe UI" panose="020B0502040204020203" pitchFamily="34" charset="0"/>
               </a:rPr>
-              <a:t>function, before </a:t>
+              <a:t>function according to requirements, </a:t>
+            </a:r>
+            <a:r>
+              <a:rPr lang="en" dirty="0" smtClean="0">
+                <a:solidFill>
+                  <a:schemeClr val="bg1"/>
+                </a:solidFill>
+                <a:latin typeface="Segoe UI" panose="020B0502040204020203" pitchFamily="34" charset="0"/>
+                <a:cs typeface="Segoe UI" panose="020B0502040204020203" pitchFamily="34" charset="0"/>
+              </a:rPr>
+              <a:t>before </a:t>
             </a:r>
             <a:r>
               <a:rPr lang="en" dirty="0">
@@ -14188,27 +14208,7 @@
               </a:rPr>
               <a:t>.</a:t>
             </a:r>
-          </a:p>
-          <a:p>
-            <a:pPr marL="285750" indent="-285750" algn="just">
-              <a:spcBef>
-                <a:spcPts val="1600"/>
-              </a:spcBef>
-              <a:spcAft>
-                <a:spcPts val="1600"/>
-              </a:spcAft>
-            </a:pPr>
-            <a:r>
-              <a:rPr lang="en" dirty="0" smtClean="0">
-                <a:solidFill>
-                  <a:schemeClr val="bg1"/>
-                </a:solidFill>
-                <a:latin typeface="Segoe UI" panose="020B0502040204020203" pitchFamily="34" charset="0"/>
-                <a:cs typeface="Segoe UI" panose="020B0502040204020203" pitchFamily="34" charset="0"/>
-              </a:rPr>
-              <a:t>At every stage, usability requirements were met.</a:t>
-            </a:r>
-            <a:endParaRPr dirty="0">
+            <a:endParaRPr lang="en" dirty="0" smtClean="0">
               <a:solidFill>
                 <a:schemeClr val="bg1"/>
               </a:solidFill>
@@ -14423,7 +14423,7 @@
         </p:nvSpPr>
         <p:spPr>
           <a:xfrm>
-            <a:off x="449943" y="2141308"/>
+            <a:off x="449943" y="2225713"/>
             <a:ext cx="8244114" cy="3026896"/>
           </a:xfrm>
           <a:prstGeom prst="rect">
@@ -15071,7 +15071,7 @@
         </p:nvSpPr>
         <p:spPr>
           <a:xfrm>
-            <a:off x="449943" y="1490107"/>
+            <a:off x="449943" y="1743324"/>
             <a:ext cx="8244114" cy="466579"/>
           </a:xfrm>
           <a:prstGeom prst="rect">
@@ -15328,7 +15328,7 @@
       </p:sp>
       <p:sp>
         <p:nvSpPr>
-          <p:cNvPr id="5" name="Google Shape;157;p17"/>
+          <p:cNvPr id="6" name="Google Shape;157;p17"/>
           <p:cNvSpPr txBox="1">
             <a:spLocks/>
           </p:cNvSpPr>
@@ -15336,7 +15336,7 @@
         </p:nvSpPr>
         <p:spPr>
           <a:xfrm>
-            <a:off x="819150" y="718992"/>
+            <a:off x="971550" y="998000"/>
             <a:ext cx="7505700" cy="954600"/>
           </a:xfrm>
           <a:prstGeom prst="rect">
@@ -15578,7 +15578,7 @@
         </p:blipFill>
         <p:spPr>
           <a:xfrm>
-            <a:off x="486643" y="2458189"/>
+            <a:off x="410667" y="2284765"/>
             <a:ext cx="2508100" cy="1357919"/>
           </a:xfrm>
           <a:prstGeom prst="rect">
@@ -15592,7 +15592,7 @@
       </p:pic>
       <p:pic>
         <p:nvPicPr>
-          <p:cNvPr id="144" name="Google Shape;144;p15"/>
+          <p:cNvPr id="145" name="Google Shape;145;p15"/>
           <p:cNvPicPr preferRelativeResize="0"/>
           <p:nvPr/>
         </p:nvPicPr>
@@ -15606,8 +15606,8 @@
         </p:blipFill>
         <p:spPr>
           <a:xfrm>
-            <a:off x="3632719" y="3056004"/>
-            <a:ext cx="2333450" cy="1287650"/>
+            <a:off x="3195552" y="3378982"/>
+            <a:ext cx="2331790" cy="1607455"/>
           </a:xfrm>
           <a:prstGeom prst="rect">
             <a:avLst/>
@@ -15620,7 +15620,7 @@
       </p:pic>
       <p:pic>
         <p:nvPicPr>
-          <p:cNvPr id="145" name="Google Shape;145;p15"/>
+          <p:cNvPr id="146" name="Google Shape;146;p15"/>
           <p:cNvPicPr preferRelativeResize="0"/>
           <p:nvPr/>
         </p:nvPicPr>
@@ -15634,8 +15634,8 @@
         </p:blipFill>
         <p:spPr>
           <a:xfrm>
-            <a:off x="6400531" y="3281531"/>
-            <a:ext cx="2060174" cy="1545125"/>
+            <a:off x="1174330" y="3525186"/>
+            <a:ext cx="1204125" cy="1204125"/>
           </a:xfrm>
           <a:prstGeom prst="rect">
             <a:avLst/>
@@ -15648,7 +15648,7 @@
       </p:pic>
       <p:pic>
         <p:nvPicPr>
-          <p:cNvPr id="146" name="Google Shape;146;p15"/>
+          <p:cNvPr id="11" name="Google Shape;142;p15"/>
           <p:cNvPicPr preferRelativeResize="0"/>
           <p:nvPr/>
         </p:nvPicPr>
@@ -15662,8 +15662,8 @@
         </p:blipFill>
         <p:spPr>
           <a:xfrm>
-            <a:off x="2211413" y="3699829"/>
-            <a:ext cx="1204125" cy="1204125"/>
+            <a:off x="6028213" y="1867493"/>
+            <a:ext cx="2562571" cy="1226525"/>
           </a:xfrm>
           <a:prstGeom prst="rect">
             <a:avLst/>
@@ -15676,7 +15676,7 @@
       </p:pic>
       <p:pic>
         <p:nvPicPr>
-          <p:cNvPr id="11" name="Google Shape;142;p15"/>
+          <p:cNvPr id="12" name="Google Shape;140;p15"/>
           <p:cNvPicPr preferRelativeResize="0"/>
           <p:nvPr/>
         </p:nvPicPr>
@@ -15690,8 +15690,8 @@
         </p:blipFill>
         <p:spPr>
           <a:xfrm>
-            <a:off x="6028213" y="1867493"/>
-            <a:ext cx="2562571" cy="1226525"/>
+            <a:off x="1306490" y="983149"/>
+            <a:ext cx="2514724" cy="1474575"/>
           </a:xfrm>
           <a:prstGeom prst="rect">
             <a:avLst/>
@@ -15702,14 +15702,98 @@
           </a:ln>
         </p:spPr>
       </p:pic>
+      <p:sp>
+        <p:nvSpPr>
+          <p:cNvPr id="13" name="Google Shape;157;p17"/>
+          <p:cNvSpPr txBox="1">
+            <a:spLocks noGrp="1"/>
+          </p:cNvSpPr>
+          <p:nvPr>
+            <p:ph type="title"/>
+          </p:nvPr>
+        </p:nvSpPr>
+        <p:spPr>
+          <a:xfrm>
+            <a:off x="819150" y="845600"/>
+            <a:ext cx="7505700" cy="954600"/>
+          </a:xfrm>
+          <a:prstGeom prst="rect">
+            <a:avLst/>
+          </a:prstGeom>
+        </p:spPr>
+        <p:txBody>
+          <a:bodyPr spcFirstLastPara="1" wrap="square" lIns="91425" tIns="91425" rIns="91425" bIns="91425" anchor="t" anchorCtr="0">
+            <a:noAutofit/>
+          </a:bodyPr>
+          <a:lstStyle/>
+          <a:p>
+            <a:pPr marL="0" lvl="0" indent="0">
+              <a:spcBef>
+                <a:spcPts val="0"/>
+              </a:spcBef>
+              <a:spcAft>
+                <a:spcPts val="0"/>
+              </a:spcAft>
+              <a:buNone/>
+            </a:pPr>
+            <a:r>
+              <a:rPr lang="en" dirty="0" smtClean="0">
+                <a:solidFill>
+                  <a:schemeClr val="bg1"/>
+                </a:solidFill>
+                <a:latin typeface="Segoe UI" panose="020B0502040204020203" pitchFamily="34" charset="0"/>
+                <a:cs typeface="Segoe UI" panose="020B0502040204020203" pitchFamily="34" charset="0"/>
+              </a:rPr>
+              <a:t>Tools</a:t>
+            </a:r>
+            <a:endParaRPr dirty="0">
+              <a:solidFill>
+                <a:schemeClr val="bg1"/>
+              </a:solidFill>
+              <a:latin typeface="Segoe UI" panose="020B0502040204020203" pitchFamily="34" charset="0"/>
+              <a:cs typeface="Segoe UI" panose="020B0502040204020203" pitchFamily="34" charset="0"/>
+            </a:endParaRPr>
+          </a:p>
+        </p:txBody>
+      </p:sp>
       <p:pic>
         <p:nvPicPr>
-          <p:cNvPr id="12" name="Google Shape;140;p15"/>
+          <p:cNvPr id="2" name="Picture 1"/>
+          <p:cNvPicPr>
+            <a:picLocks noChangeAspect="1"/>
+          </p:cNvPicPr>
+          <p:nvPr/>
+        </p:nvPicPr>
+        <p:blipFill>
+          <a:blip r:embed="rId9">
+            <a:extLst>
+              <a:ext uri="{28A0092B-C50C-407E-A947-70E740481C1C}">
+                <a14:useLocalDpi xmlns:a14="http://schemas.microsoft.com/office/drawing/2010/main" val="0"/>
+              </a:ext>
+            </a:extLst>
+          </a:blip>
+          <a:stretch>
+            <a:fillRect/>
+          </a:stretch>
+        </p:blipFill>
+        <p:spPr>
+          <a:xfrm>
+            <a:off x="6190728" y="3094018"/>
+            <a:ext cx="1827146" cy="1827144"/>
+          </a:xfrm>
+          <a:prstGeom prst="rect">
+            <a:avLst/>
+          </a:prstGeom>
+        </p:spPr>
+      </p:pic>
+      <p:pic>
+        <p:nvPicPr>
+          <p:cNvPr id="15" name="Google Shape;144;p15"/>
           <p:cNvPicPr preferRelativeResize="0"/>
           <p:nvPr/>
         </p:nvPicPr>
         <p:blipFill>
-          <a:blip r:embed="rId9">
+          <a:blip r:embed="rId10">
             <a:alphaModFix/>
           </a:blip>
           <a:stretch>
@@ -15718,8 +15802,8 @@
         </p:blipFill>
         <p:spPr>
           <a:xfrm>
-            <a:off x="1621463" y="1170540"/>
-            <a:ext cx="2514724" cy="1474575"/>
+            <a:off x="3481571" y="2347630"/>
+            <a:ext cx="2333450" cy="1287650"/>
           </a:xfrm>
           <a:prstGeom prst="rect">
             <a:avLst/>
@@ -15730,60 +15814,6 @@
           </a:ln>
         </p:spPr>
       </p:pic>
-      <p:sp>
-        <p:nvSpPr>
-          <p:cNvPr id="13" name="Google Shape;157;p17"/>
-          <p:cNvSpPr txBox="1">
-            <a:spLocks noGrp="1"/>
-          </p:cNvSpPr>
-          <p:nvPr>
-            <p:ph type="title"/>
-          </p:nvPr>
-        </p:nvSpPr>
-        <p:spPr>
-          <a:xfrm>
-            <a:off x="819150" y="845600"/>
-            <a:ext cx="7505700" cy="954600"/>
-          </a:xfrm>
-          <a:prstGeom prst="rect">
-            <a:avLst/>
-          </a:prstGeom>
-        </p:spPr>
-        <p:txBody>
-          <a:bodyPr spcFirstLastPara="1" wrap="square" lIns="91425" tIns="91425" rIns="91425" bIns="91425" anchor="t" anchorCtr="0">
-            <a:noAutofit/>
-          </a:bodyPr>
-          <a:lstStyle/>
-          <a:p>
-            <a:pPr marL="0" lvl="0" indent="0">
-              <a:spcBef>
-                <a:spcPts val="0"/>
-              </a:spcBef>
-              <a:spcAft>
-                <a:spcPts val="0"/>
-              </a:spcAft>
-              <a:buNone/>
-            </a:pPr>
-            <a:r>
-              <a:rPr lang="en" dirty="0" smtClean="0">
-                <a:solidFill>
-                  <a:schemeClr val="bg1"/>
-                </a:solidFill>
-                <a:latin typeface="Segoe UI" panose="020B0502040204020203" pitchFamily="34" charset="0"/>
-                <a:cs typeface="Segoe UI" panose="020B0502040204020203" pitchFamily="34" charset="0"/>
-              </a:rPr>
-              <a:t>Tools</a:t>
-            </a:r>
-            <a:endParaRPr dirty="0">
-              <a:solidFill>
-                <a:schemeClr val="bg1"/>
-              </a:solidFill>
-              <a:latin typeface="Segoe UI" panose="020B0502040204020203" pitchFamily="34" charset="0"/>
-              <a:cs typeface="Segoe UI" panose="020B0502040204020203" pitchFamily="34" charset="0"/>
-            </a:endParaRPr>
-          </a:p>
-        </p:txBody>
-      </p:sp>
     </p:spTree>
   </p:cSld>
   <p:clrMapOvr>

--- a/group project/Group Project QA Cinema System.pptx
+++ b/group project/Group Project QA Cinema System.pptx
@@ -14126,17 +14126,7 @@
                 <a:latin typeface="Segoe UI" panose="020B0502040204020203" pitchFamily="34" charset="0"/>
                 <a:cs typeface="Segoe UI" panose="020B0502040204020203" pitchFamily="34" charset="0"/>
               </a:rPr>
-              <a:t>Our </a:t>
-            </a:r>
-            <a:r>
-              <a:rPr lang="en" dirty="0" smtClean="0">
-                <a:solidFill>
-                  <a:schemeClr val="bg1"/>
-                </a:solidFill>
-                <a:latin typeface="Segoe UI" panose="020B0502040204020203" pitchFamily="34" charset="0"/>
-                <a:cs typeface="Segoe UI" panose="020B0502040204020203" pitchFamily="34" charset="0"/>
-              </a:rPr>
-              <a:t>emphasis </a:t>
+              <a:t>Our emphasis </a:t>
             </a:r>
             <a:r>
               <a:rPr lang="en" dirty="0">
@@ -14176,17 +14166,7 @@
                 <a:latin typeface="Segoe UI" panose="020B0502040204020203" pitchFamily="34" charset="0"/>
                 <a:cs typeface="Segoe UI" panose="020B0502040204020203" pitchFamily="34" charset="0"/>
               </a:rPr>
-              <a:t>function according to requirements, </a:t>
-            </a:r>
-            <a:r>
-              <a:rPr lang="en" dirty="0" smtClean="0">
-                <a:solidFill>
-                  <a:schemeClr val="bg1"/>
-                </a:solidFill>
-                <a:latin typeface="Segoe UI" panose="020B0502040204020203" pitchFamily="34" charset="0"/>
-                <a:cs typeface="Segoe UI" panose="020B0502040204020203" pitchFamily="34" charset="0"/>
-              </a:rPr>
-              <a:t>before </a:t>
+              <a:t>function according to requirements, before </a:t>
             </a:r>
             <a:r>
               <a:rPr lang="en" dirty="0">
@@ -14208,13 +14188,6 @@
               </a:rPr>
               <a:t>.</a:t>
             </a:r>
-            <a:endParaRPr lang="en" dirty="0" smtClean="0">
-              <a:solidFill>
-                <a:schemeClr val="bg1"/>
-              </a:solidFill>
-              <a:latin typeface="Segoe UI" panose="020B0502040204020203" pitchFamily="34" charset="0"/>
-              <a:cs typeface="Segoe UI" panose="020B0502040204020203" pitchFamily="34" charset="0"/>
-            </a:endParaRPr>
           </a:p>
         </p:txBody>
       </p:sp>
@@ -16912,6 +16885,10 @@
           </p:nvPr>
         </p:nvSpPr>
         <p:spPr>
+          <a:xfrm>
+            <a:off x="689317" y="1990725"/>
+            <a:ext cx="7765366" cy="2448000"/>
+          </a:xfrm>
           <a:prstGeom prst="rect">
             <a:avLst/>
           </a:prstGeom>
@@ -16963,17 +16940,37 @@
                 <a:latin typeface="Segoe UI" panose="020B0502040204020203" pitchFamily="34" charset="0"/>
                 <a:cs typeface="Segoe UI" panose="020B0502040204020203" pitchFamily="34" charset="0"/>
               </a:rPr>
-              <a:t>Linking together took time</a:t>
-            </a:r>
-            <a:r>
-              <a:rPr lang="en" dirty="0">
+              <a:t>Linking together took </a:t>
+            </a:r>
+            <a:r>
+              <a:rPr lang="en" dirty="0" smtClean="0">
                 <a:solidFill>
                   <a:schemeClr val="bg1"/>
                 </a:solidFill>
                 <a:latin typeface="Segoe UI" panose="020B0502040204020203" pitchFamily="34" charset="0"/>
                 <a:cs typeface="Segoe UI" panose="020B0502040204020203" pitchFamily="34" charset="0"/>
               </a:rPr>
-              <a:t>:</a:t>
+              <a:t>time (e.g. sending </a:t>
+            </a:r>
+            <a:r>
+              <a:rPr lang="en" dirty="0" smtClean="0">
+                <a:solidFill>
+                  <a:schemeClr val="bg1"/>
+                </a:solidFill>
+                <a:latin typeface="Segoe UI" panose="020B0502040204020203" pitchFamily="34" charset="0"/>
+                <a:cs typeface="Segoe UI" panose="020B0502040204020203" pitchFamily="34" charset="0"/>
+              </a:rPr>
+              <a:t>the booking request to the </a:t>
+            </a:r>
+            <a:r>
+              <a:rPr lang="en" dirty="0" smtClean="0">
+                <a:solidFill>
+                  <a:schemeClr val="bg1"/>
+                </a:solidFill>
+                <a:latin typeface="Segoe UI" panose="020B0502040204020203" pitchFamily="34" charset="0"/>
+                <a:cs typeface="Segoe UI" panose="020B0502040204020203" pitchFamily="34" charset="0"/>
+              </a:rPr>
+              <a:t>server)</a:t>
             </a:r>
             <a:endParaRPr lang="en" dirty="0" smtClean="0">
               <a:solidFill>
@@ -16982,44 +16979,6 @@
               <a:latin typeface="Segoe UI" panose="020B0502040204020203" pitchFamily="34" charset="0"/>
               <a:cs typeface="Segoe UI" panose="020B0502040204020203" pitchFamily="34" charset="0"/>
             </a:endParaRPr>
-          </a:p>
-          <a:p>
-            <a:pPr lvl="1" indent="-311150">
-              <a:spcBef>
-                <a:spcPts val="0"/>
-              </a:spcBef>
-              <a:buSzPts val="1300"/>
-              <a:buChar char="●"/>
-            </a:pPr>
-            <a:r>
-              <a:rPr lang="en" dirty="0" smtClean="0">
-                <a:solidFill>
-                  <a:schemeClr val="bg1"/>
-                </a:solidFill>
-                <a:latin typeface="Segoe UI" panose="020B0502040204020203" pitchFamily="34" charset="0"/>
-                <a:cs typeface="Segoe UI" panose="020B0502040204020203" pitchFamily="34" charset="0"/>
-              </a:rPr>
-              <a:t>Sending the booking request to the server</a:t>
-            </a:r>
-          </a:p>
-          <a:p>
-            <a:pPr lvl="1" indent="-311150">
-              <a:spcBef>
-                <a:spcPts val="0"/>
-              </a:spcBef>
-              <a:buSzPts val="1300"/>
-              <a:buChar char="●"/>
-            </a:pPr>
-            <a:r>
-              <a:rPr lang="en" dirty="0" smtClean="0">
-                <a:solidFill>
-                  <a:schemeClr val="bg1"/>
-                </a:solidFill>
-                <a:latin typeface="Segoe UI" panose="020B0502040204020203" pitchFamily="34" charset="0"/>
-                <a:cs typeface="Segoe UI" panose="020B0502040204020203" pitchFamily="34" charset="0"/>
-              </a:rPr>
-              <a:t>Seat reservations from the booking page</a:t>
-            </a:r>
           </a:p>
         </p:txBody>
       </p:sp>
@@ -17218,44 +17177,33 @@
               <a:buChar char="●"/>
             </a:pPr>
             <a:r>
-              <a:rPr lang="en" dirty="0">
+              <a:rPr lang="en-GB" dirty="0" smtClean="0">
                 <a:solidFill>
                   <a:schemeClr val="bg1"/>
                 </a:solidFill>
                 <a:latin typeface="Segoe UI" panose="020B0502040204020203" pitchFamily="34" charset="0"/>
                 <a:cs typeface="Segoe UI" panose="020B0502040204020203" pitchFamily="34" charset="0"/>
               </a:rPr>
-              <a:t>The project met </a:t>
-            </a:r>
-            <a:r>
-              <a:rPr lang="en" dirty="0" smtClean="0">
+              <a:t>Additional aspirations: </a:t>
+            </a:r>
+          </a:p>
+          <a:p>
+            <a:pPr lvl="1" indent="-311150">
+              <a:spcBef>
+                <a:spcPts val="0"/>
+              </a:spcBef>
+              <a:buSzPts val="1300"/>
+              <a:buChar char="●"/>
+            </a:pPr>
+            <a:r>
+              <a:rPr lang="en-GB" dirty="0" smtClean="0">
                 <a:solidFill>
                   <a:schemeClr val="bg1"/>
                 </a:solidFill>
                 <a:latin typeface="Segoe UI" panose="020B0502040204020203" pitchFamily="34" charset="0"/>
                 <a:cs typeface="Segoe UI" panose="020B0502040204020203" pitchFamily="34" charset="0"/>
               </a:rPr>
-              <a:t>t</a:t>
-            </a:r>
-            <a:r>
-              <a:rPr lang="en-GB" dirty="0" smtClean="0">
-                <a:solidFill>
-                  <a:schemeClr val="bg1"/>
-                </a:solidFill>
-                <a:latin typeface="Segoe UI" panose="020B0502040204020203" pitchFamily="34" charset="0"/>
-                <a:cs typeface="Segoe UI" panose="020B0502040204020203" pitchFamily="34" charset="0"/>
-              </a:rPr>
-              <a:t>he</a:t>
-            </a:r>
-            <a:r>
-              <a:rPr lang="en" dirty="0" smtClean="0">
-                <a:solidFill>
-                  <a:schemeClr val="bg1"/>
-                </a:solidFill>
-                <a:latin typeface="Segoe UI" panose="020B0502040204020203" pitchFamily="34" charset="0"/>
-                <a:cs typeface="Segoe UI" panose="020B0502040204020203" pitchFamily="34" charset="0"/>
-              </a:rPr>
-              <a:t> following requirements:</a:t>
+              <a:t>an interactive seat-booking system, where customers can visually click on available seats to book.</a:t>
             </a:r>
             <a:endParaRPr dirty="0">
               <a:solidFill>
